--- a/Assets/Sprites/image sheet.pptx
+++ b/Assets/Sprites/image sheet.pptx
@@ -6,6 +6,7 @@
   </p:sldMasterIdLst>
   <p:sldIdLst>
     <p:sldId id="256" r:id="rId2"/>
+    <p:sldId id="257" r:id="rId3"/>
   </p:sldIdLst>
   <p:sldSz cx="12192000" cy="6858000"/>
   <p:notesSz cx="6858000" cy="9144000"/>
@@ -270,7 +271,7 @@
           <a:p>
             <a:fld id="{FA0ED001-2FE3-4A89-834A-FE6BEB0D96B7}" type="datetimeFigureOut">
               <a:rPr lang="en-US" smtClean="0"/>
-              <a:t>11/16/2018</a:t>
+              <a:t>11/20/2018</a:t>
             </a:fld>
             <a:endParaRPr lang="en-US"/>
           </a:p>
@@ -468,7 +469,7 @@
           <a:p>
             <a:fld id="{FA0ED001-2FE3-4A89-834A-FE6BEB0D96B7}" type="datetimeFigureOut">
               <a:rPr lang="en-US" smtClean="0"/>
-              <a:t>11/16/2018</a:t>
+              <a:t>11/20/2018</a:t>
             </a:fld>
             <a:endParaRPr lang="en-US"/>
           </a:p>
@@ -676,7 +677,7 @@
           <a:p>
             <a:fld id="{FA0ED001-2FE3-4A89-834A-FE6BEB0D96B7}" type="datetimeFigureOut">
               <a:rPr lang="en-US" smtClean="0"/>
-              <a:t>11/16/2018</a:t>
+              <a:t>11/20/2018</a:t>
             </a:fld>
             <a:endParaRPr lang="en-US"/>
           </a:p>
@@ -874,7 +875,7 @@
           <a:p>
             <a:fld id="{FA0ED001-2FE3-4A89-834A-FE6BEB0D96B7}" type="datetimeFigureOut">
               <a:rPr lang="en-US" smtClean="0"/>
-              <a:t>11/16/2018</a:t>
+              <a:t>11/20/2018</a:t>
             </a:fld>
             <a:endParaRPr lang="en-US"/>
           </a:p>
@@ -1149,7 +1150,7 @@
           <a:p>
             <a:fld id="{FA0ED001-2FE3-4A89-834A-FE6BEB0D96B7}" type="datetimeFigureOut">
               <a:rPr lang="en-US" smtClean="0"/>
-              <a:t>11/16/2018</a:t>
+              <a:t>11/20/2018</a:t>
             </a:fld>
             <a:endParaRPr lang="en-US"/>
           </a:p>
@@ -1414,7 +1415,7 @@
           <a:p>
             <a:fld id="{FA0ED001-2FE3-4A89-834A-FE6BEB0D96B7}" type="datetimeFigureOut">
               <a:rPr lang="en-US" smtClean="0"/>
-              <a:t>11/16/2018</a:t>
+              <a:t>11/20/2018</a:t>
             </a:fld>
             <a:endParaRPr lang="en-US"/>
           </a:p>
@@ -1826,7 +1827,7 @@
           <a:p>
             <a:fld id="{FA0ED001-2FE3-4A89-834A-FE6BEB0D96B7}" type="datetimeFigureOut">
               <a:rPr lang="en-US" smtClean="0"/>
-              <a:t>11/16/2018</a:t>
+              <a:t>11/20/2018</a:t>
             </a:fld>
             <a:endParaRPr lang="en-US"/>
           </a:p>
@@ -1967,7 +1968,7 @@
           <a:p>
             <a:fld id="{FA0ED001-2FE3-4A89-834A-FE6BEB0D96B7}" type="datetimeFigureOut">
               <a:rPr lang="en-US" smtClean="0"/>
-              <a:t>11/16/2018</a:t>
+              <a:t>11/20/2018</a:t>
             </a:fld>
             <a:endParaRPr lang="en-US"/>
           </a:p>
@@ -2080,7 +2081,7 @@
           <a:p>
             <a:fld id="{FA0ED001-2FE3-4A89-834A-FE6BEB0D96B7}" type="datetimeFigureOut">
               <a:rPr lang="en-US" smtClean="0"/>
-              <a:t>11/16/2018</a:t>
+              <a:t>11/20/2018</a:t>
             </a:fld>
             <a:endParaRPr lang="en-US"/>
           </a:p>
@@ -2391,7 +2392,7 @@
           <a:p>
             <a:fld id="{FA0ED001-2FE3-4A89-834A-FE6BEB0D96B7}" type="datetimeFigureOut">
               <a:rPr lang="en-US" smtClean="0"/>
-              <a:t>11/16/2018</a:t>
+              <a:t>11/20/2018</a:t>
             </a:fld>
             <a:endParaRPr lang="en-US"/>
           </a:p>
@@ -2679,7 +2680,7 @@
           <a:p>
             <a:fld id="{FA0ED001-2FE3-4A89-834A-FE6BEB0D96B7}" type="datetimeFigureOut">
               <a:rPr lang="en-US" smtClean="0"/>
-              <a:t>11/16/2018</a:t>
+              <a:t>11/20/2018</a:t>
             </a:fld>
             <a:endParaRPr lang="en-US"/>
           </a:p>
@@ -2920,7 +2921,7 @@
           <a:p>
             <a:fld id="{FA0ED001-2FE3-4A89-834A-FE6BEB0D96B7}" type="datetimeFigureOut">
               <a:rPr lang="en-US" smtClean="0"/>
-              <a:t>11/16/2018</a:t>
+              <a:t>11/20/2018</a:t>
             </a:fld>
             <a:endParaRPr lang="en-US"/>
           </a:p>
@@ -6322,6 +6323,2249 @@
 </p:sld>
 </file>
 
+<file path=ppt/slides/slide2.xml><?xml version="1.0" encoding="utf-8"?>
+<p:sld xmlns:a="http://schemas.openxmlformats.org/drawingml/2006/main" xmlns:r="http://schemas.openxmlformats.org/officeDocument/2006/relationships" xmlns:p="http://schemas.openxmlformats.org/presentationml/2006/main">
+  <p:cSld>
+    <p:bg>
+      <p:bgPr>
+        <a:solidFill>
+          <a:schemeClr val="bg2">
+            <a:lumMod val="75000"/>
+          </a:schemeClr>
+        </a:solidFill>
+        <a:effectLst/>
+      </p:bgPr>
+    </p:bg>
+    <p:spTree>
+      <p:nvGrpSpPr>
+        <p:cNvPr id="1" name=""/>
+        <p:cNvGrpSpPr/>
+        <p:nvPr/>
+      </p:nvGrpSpPr>
+      <p:grpSpPr>
+        <a:xfrm>
+          <a:off x="0" y="0"/>
+          <a:ext cx="0" cy="0"/>
+          <a:chOff x="0" y="0"/>
+          <a:chExt cx="0" cy="0"/>
+        </a:xfrm>
+      </p:grpSpPr>
+      <p:sp>
+        <p:nvSpPr>
+          <p:cNvPr id="5" name="Rectangle 4">
+            <a:extLst>
+              <a:ext uri="{FF2B5EF4-FFF2-40B4-BE49-F238E27FC236}">
+                <a16:creationId xmlns:a16="http://schemas.microsoft.com/office/drawing/2014/main" id="{F0957642-E2FF-4E49-9F40-4C0129E0051F}"/>
+              </a:ext>
+            </a:extLst>
+          </p:cNvPr>
+          <p:cNvSpPr/>
+          <p:nvPr/>
+        </p:nvSpPr>
+        <p:spPr>
+          <a:xfrm>
+            <a:off x="1406769" y="1099038"/>
+            <a:ext cx="3253154" cy="3112477"/>
+          </a:xfrm>
+          <a:prstGeom prst="rect">
+            <a:avLst/>
+          </a:prstGeom>
+          <a:noFill/>
+        </p:spPr>
+        <p:style>
+          <a:lnRef idx="2">
+            <a:schemeClr val="accent1">
+              <a:shade val="50000"/>
+            </a:schemeClr>
+          </a:lnRef>
+          <a:fillRef idx="1">
+            <a:schemeClr val="accent1"/>
+          </a:fillRef>
+          <a:effectRef idx="0">
+            <a:schemeClr val="accent1"/>
+          </a:effectRef>
+          <a:fontRef idx="minor">
+            <a:schemeClr val="lt1"/>
+          </a:fontRef>
+        </p:style>
+        <p:txBody>
+          <a:bodyPr rtlCol="0" anchor="ctr"/>
+          <a:lstStyle/>
+          <a:p>
+            <a:pPr algn="ctr"/>
+            <a:endParaRPr lang="en-US"/>
+          </a:p>
+        </p:txBody>
+      </p:sp>
+      <p:sp>
+        <p:nvSpPr>
+          <p:cNvPr id="7" name="Freeform: Shape 6">
+            <a:extLst>
+              <a:ext uri="{FF2B5EF4-FFF2-40B4-BE49-F238E27FC236}">
+                <a16:creationId xmlns:a16="http://schemas.microsoft.com/office/drawing/2014/main" id="{3B811F19-507D-4550-B66E-C5D528BBFF90}"/>
+              </a:ext>
+            </a:extLst>
+          </p:cNvPr>
+          <p:cNvSpPr/>
+          <p:nvPr/>
+        </p:nvSpPr>
+        <p:spPr>
+          <a:xfrm>
+            <a:off x="1447800" y="1133475"/>
+            <a:ext cx="3190875" cy="3057525"/>
+          </a:xfrm>
+          <a:custGeom>
+            <a:avLst/>
+            <a:gdLst>
+              <a:gd name="connsiteX0" fmla="*/ 38100 w 3190875"/>
+              <a:gd name="connsiteY0" fmla="*/ 85725 h 3057525"/>
+              <a:gd name="connsiteX1" fmla="*/ 161925 w 3190875"/>
+              <a:gd name="connsiteY1" fmla="*/ 0 h 3057525"/>
+              <a:gd name="connsiteX2" fmla="*/ 1457325 w 3190875"/>
+              <a:gd name="connsiteY2" fmla="*/ 19050 h 3057525"/>
+              <a:gd name="connsiteX3" fmla="*/ 2228850 w 3190875"/>
+              <a:gd name="connsiteY3" fmla="*/ 19050 h 3057525"/>
+              <a:gd name="connsiteX4" fmla="*/ 2905125 w 3190875"/>
+              <a:gd name="connsiteY4" fmla="*/ 0 h 3057525"/>
+              <a:gd name="connsiteX5" fmla="*/ 3076575 w 3190875"/>
+              <a:gd name="connsiteY5" fmla="*/ 19050 h 3057525"/>
+              <a:gd name="connsiteX6" fmla="*/ 3171825 w 3190875"/>
+              <a:gd name="connsiteY6" fmla="*/ 104775 h 3057525"/>
+              <a:gd name="connsiteX7" fmla="*/ 3171825 w 3190875"/>
+              <a:gd name="connsiteY7" fmla="*/ 638175 h 3057525"/>
+              <a:gd name="connsiteX8" fmla="*/ 3171825 w 3190875"/>
+              <a:gd name="connsiteY8" fmla="*/ 2333625 h 3057525"/>
+              <a:gd name="connsiteX9" fmla="*/ 3190875 w 3190875"/>
+              <a:gd name="connsiteY9" fmla="*/ 3000375 h 3057525"/>
+              <a:gd name="connsiteX10" fmla="*/ 3152775 w 3190875"/>
+              <a:gd name="connsiteY10" fmla="*/ 3057525 h 3057525"/>
+              <a:gd name="connsiteX11" fmla="*/ 2990850 w 3190875"/>
+              <a:gd name="connsiteY11" fmla="*/ 3057525 h 3057525"/>
+              <a:gd name="connsiteX12" fmla="*/ 180975 w 3190875"/>
+              <a:gd name="connsiteY12" fmla="*/ 3038475 h 3057525"/>
+              <a:gd name="connsiteX13" fmla="*/ 0 w 3190875"/>
+              <a:gd name="connsiteY13" fmla="*/ 3009900 h 3057525"/>
+              <a:gd name="connsiteX14" fmla="*/ 0 w 3190875"/>
+              <a:gd name="connsiteY14" fmla="*/ 2876550 h 3057525"/>
+              <a:gd name="connsiteX15" fmla="*/ 28575 w 3190875"/>
+              <a:gd name="connsiteY15" fmla="*/ 142875 h 3057525"/>
+              <a:gd name="connsiteX16" fmla="*/ 38100 w 3190875"/>
+              <a:gd name="connsiteY16" fmla="*/ 85725 h 3057525"/>
+            </a:gdLst>
+            <a:ahLst/>
+            <a:cxnLst>
+              <a:cxn ang="0">
+                <a:pos x="connsiteX0" y="connsiteY0"/>
+              </a:cxn>
+              <a:cxn ang="0">
+                <a:pos x="connsiteX1" y="connsiteY1"/>
+              </a:cxn>
+              <a:cxn ang="0">
+                <a:pos x="connsiteX2" y="connsiteY2"/>
+              </a:cxn>
+              <a:cxn ang="0">
+                <a:pos x="connsiteX3" y="connsiteY3"/>
+              </a:cxn>
+              <a:cxn ang="0">
+                <a:pos x="connsiteX4" y="connsiteY4"/>
+              </a:cxn>
+              <a:cxn ang="0">
+                <a:pos x="connsiteX5" y="connsiteY5"/>
+              </a:cxn>
+              <a:cxn ang="0">
+                <a:pos x="connsiteX6" y="connsiteY6"/>
+              </a:cxn>
+              <a:cxn ang="0">
+                <a:pos x="connsiteX7" y="connsiteY7"/>
+              </a:cxn>
+              <a:cxn ang="0">
+                <a:pos x="connsiteX8" y="connsiteY8"/>
+              </a:cxn>
+              <a:cxn ang="0">
+                <a:pos x="connsiteX9" y="connsiteY9"/>
+              </a:cxn>
+              <a:cxn ang="0">
+                <a:pos x="connsiteX10" y="connsiteY10"/>
+              </a:cxn>
+              <a:cxn ang="0">
+                <a:pos x="connsiteX11" y="connsiteY11"/>
+              </a:cxn>
+              <a:cxn ang="0">
+                <a:pos x="connsiteX12" y="connsiteY12"/>
+              </a:cxn>
+              <a:cxn ang="0">
+                <a:pos x="connsiteX13" y="connsiteY13"/>
+              </a:cxn>
+              <a:cxn ang="0">
+                <a:pos x="connsiteX14" y="connsiteY14"/>
+              </a:cxn>
+              <a:cxn ang="0">
+                <a:pos x="connsiteX15" y="connsiteY15"/>
+              </a:cxn>
+              <a:cxn ang="0">
+                <a:pos x="connsiteX16" y="connsiteY16"/>
+              </a:cxn>
+            </a:cxnLst>
+            <a:rect l="l" t="t" r="r" b="b"/>
+            <a:pathLst>
+              <a:path w="3190875" h="3057525">
+                <a:moveTo>
+                  <a:pt x="38100" y="85725"/>
+                </a:moveTo>
+                <a:lnTo>
+                  <a:pt x="161925" y="0"/>
+                </a:lnTo>
+                <a:lnTo>
+                  <a:pt x="1457325" y="19050"/>
+                </a:lnTo>
+                <a:lnTo>
+                  <a:pt x="2228850" y="19050"/>
+                </a:lnTo>
+                <a:lnTo>
+                  <a:pt x="2905125" y="0"/>
+                </a:lnTo>
+                <a:lnTo>
+                  <a:pt x="3076575" y="19050"/>
+                </a:lnTo>
+                <a:lnTo>
+                  <a:pt x="3171825" y="104775"/>
+                </a:lnTo>
+                <a:lnTo>
+                  <a:pt x="3171825" y="638175"/>
+                </a:lnTo>
+                <a:lnTo>
+                  <a:pt x="3171825" y="2333625"/>
+                </a:lnTo>
+                <a:lnTo>
+                  <a:pt x="3190875" y="3000375"/>
+                </a:lnTo>
+                <a:lnTo>
+                  <a:pt x="3152775" y="3057525"/>
+                </a:lnTo>
+                <a:lnTo>
+                  <a:pt x="2990850" y="3057525"/>
+                </a:lnTo>
+                <a:lnTo>
+                  <a:pt x="180975" y="3038475"/>
+                </a:lnTo>
+                <a:lnTo>
+                  <a:pt x="0" y="3009900"/>
+                </a:lnTo>
+                <a:lnTo>
+                  <a:pt x="0" y="2876550"/>
+                </a:lnTo>
+                <a:lnTo>
+                  <a:pt x="28575" y="142875"/>
+                </a:lnTo>
+                <a:lnTo>
+                  <a:pt x="38100" y="85725"/>
+                </a:lnTo>
+                <a:close/>
+              </a:path>
+            </a:pathLst>
+          </a:custGeom>
+          <a:solidFill>
+            <a:schemeClr val="bg1"/>
+          </a:solidFill>
+          <a:ln>
+            <a:noFill/>
+          </a:ln>
+        </p:spPr>
+        <p:style>
+          <a:lnRef idx="2">
+            <a:schemeClr val="accent1">
+              <a:shade val="50000"/>
+            </a:schemeClr>
+          </a:lnRef>
+          <a:fillRef idx="1">
+            <a:schemeClr val="accent1"/>
+          </a:fillRef>
+          <a:effectRef idx="0">
+            <a:schemeClr val="accent1"/>
+          </a:effectRef>
+          <a:fontRef idx="minor">
+            <a:schemeClr val="lt1"/>
+          </a:fontRef>
+        </p:style>
+        <p:txBody>
+          <a:bodyPr rtlCol="0" anchor="ctr"/>
+          <a:lstStyle/>
+          <a:p>
+            <a:pPr algn="ctr"/>
+            <a:endParaRPr lang="en-US"/>
+          </a:p>
+        </p:txBody>
+      </p:sp>
+      <p:sp>
+        <p:nvSpPr>
+          <p:cNvPr id="8" name="Freeform: Shape 7">
+            <a:extLst>
+              <a:ext uri="{FF2B5EF4-FFF2-40B4-BE49-F238E27FC236}">
+                <a16:creationId xmlns:a16="http://schemas.microsoft.com/office/drawing/2014/main" id="{56E99FFC-CF8D-4C68-AAA6-70769EB64C68}"/>
+              </a:ext>
+            </a:extLst>
+          </p:cNvPr>
+          <p:cNvSpPr/>
+          <p:nvPr/>
+        </p:nvSpPr>
+        <p:spPr>
+          <a:xfrm>
+            <a:off x="1474470" y="1272992"/>
+            <a:ext cx="3154680" cy="2895148"/>
+          </a:xfrm>
+          <a:custGeom>
+            <a:avLst/>
+            <a:gdLst>
+              <a:gd name="connsiteX0" fmla="*/ 15240 w 3154680"/>
+              <a:gd name="connsiteY0" fmla="*/ 1828800 h 2015490"/>
+              <a:gd name="connsiteX1" fmla="*/ 0 w 3154680"/>
+              <a:gd name="connsiteY1" fmla="*/ 1943100 h 2015490"/>
+              <a:gd name="connsiteX2" fmla="*/ 156210 w 3154680"/>
+              <a:gd name="connsiteY2" fmla="*/ 1992630 h 2015490"/>
+              <a:gd name="connsiteX3" fmla="*/ 3116580 w 3154680"/>
+              <a:gd name="connsiteY3" fmla="*/ 2015490 h 2015490"/>
+              <a:gd name="connsiteX4" fmla="*/ 3154680 w 3154680"/>
+              <a:gd name="connsiteY4" fmla="*/ 1969770 h 2015490"/>
+              <a:gd name="connsiteX5" fmla="*/ 3124200 w 3154680"/>
+              <a:gd name="connsiteY5" fmla="*/ 300990 h 2015490"/>
+              <a:gd name="connsiteX6" fmla="*/ 3055620 w 3154680"/>
+              <a:gd name="connsiteY6" fmla="*/ 259080 h 2015490"/>
+              <a:gd name="connsiteX7" fmla="*/ 3078480 w 3154680"/>
+              <a:gd name="connsiteY7" fmla="*/ 179070 h 2015490"/>
+              <a:gd name="connsiteX8" fmla="*/ 3097530 w 3154680"/>
+              <a:gd name="connsiteY8" fmla="*/ 0 h 2015490"/>
+              <a:gd name="connsiteX9" fmla="*/ 3032760 w 3154680"/>
+              <a:gd name="connsiteY9" fmla="*/ 38100 h 2015490"/>
+              <a:gd name="connsiteX10" fmla="*/ 3009900 w 3154680"/>
+              <a:gd name="connsiteY10" fmla="*/ 335280 h 2015490"/>
+              <a:gd name="connsiteX11" fmla="*/ 3082290 w 3154680"/>
+              <a:gd name="connsiteY11" fmla="*/ 521970 h 2015490"/>
+              <a:gd name="connsiteX12" fmla="*/ 3093720 w 3154680"/>
+              <a:gd name="connsiteY12" fmla="*/ 982980 h 2015490"/>
+              <a:gd name="connsiteX13" fmla="*/ 3093720 w 3154680"/>
+              <a:gd name="connsiteY13" fmla="*/ 1463040 h 2015490"/>
+              <a:gd name="connsiteX14" fmla="*/ 3059430 w 3154680"/>
+              <a:gd name="connsiteY14" fmla="*/ 1916430 h 2015490"/>
+              <a:gd name="connsiteX15" fmla="*/ 2987040 w 3154680"/>
+              <a:gd name="connsiteY15" fmla="*/ 1939290 h 2015490"/>
+              <a:gd name="connsiteX16" fmla="*/ 171450 w 3154680"/>
+              <a:gd name="connsiteY16" fmla="*/ 1912620 h 2015490"/>
+              <a:gd name="connsiteX17" fmla="*/ 133350 w 3154680"/>
+              <a:gd name="connsiteY17" fmla="*/ 1874520 h 2015490"/>
+              <a:gd name="connsiteX18" fmla="*/ 83820 w 3154680"/>
+              <a:gd name="connsiteY18" fmla="*/ 1866900 h 2015490"/>
+              <a:gd name="connsiteX19" fmla="*/ 15240 w 3154680"/>
+              <a:gd name="connsiteY19" fmla="*/ 1828800 h 2015490"/>
+              <a:gd name="connsiteX0" fmla="*/ 15240 w 3154680"/>
+              <a:gd name="connsiteY0" fmla="*/ 2301240 h 2487930"/>
+              <a:gd name="connsiteX1" fmla="*/ 0 w 3154680"/>
+              <a:gd name="connsiteY1" fmla="*/ 2415540 h 2487930"/>
+              <a:gd name="connsiteX2" fmla="*/ 156210 w 3154680"/>
+              <a:gd name="connsiteY2" fmla="*/ 2465070 h 2487930"/>
+              <a:gd name="connsiteX3" fmla="*/ 3116580 w 3154680"/>
+              <a:gd name="connsiteY3" fmla="*/ 2487930 h 2487930"/>
+              <a:gd name="connsiteX4" fmla="*/ 3154680 w 3154680"/>
+              <a:gd name="connsiteY4" fmla="*/ 2442210 h 2487930"/>
+              <a:gd name="connsiteX5" fmla="*/ 3124200 w 3154680"/>
+              <a:gd name="connsiteY5" fmla="*/ 773430 h 2487930"/>
+              <a:gd name="connsiteX6" fmla="*/ 3055620 w 3154680"/>
+              <a:gd name="connsiteY6" fmla="*/ 731520 h 2487930"/>
+              <a:gd name="connsiteX7" fmla="*/ 3078480 w 3154680"/>
+              <a:gd name="connsiteY7" fmla="*/ 651510 h 2487930"/>
+              <a:gd name="connsiteX8" fmla="*/ 3107690 w 3154680"/>
+              <a:gd name="connsiteY8" fmla="*/ 0 h 2487930"/>
+              <a:gd name="connsiteX9" fmla="*/ 3032760 w 3154680"/>
+              <a:gd name="connsiteY9" fmla="*/ 510540 h 2487930"/>
+              <a:gd name="connsiteX10" fmla="*/ 3009900 w 3154680"/>
+              <a:gd name="connsiteY10" fmla="*/ 807720 h 2487930"/>
+              <a:gd name="connsiteX11" fmla="*/ 3082290 w 3154680"/>
+              <a:gd name="connsiteY11" fmla="*/ 994410 h 2487930"/>
+              <a:gd name="connsiteX12" fmla="*/ 3093720 w 3154680"/>
+              <a:gd name="connsiteY12" fmla="*/ 1455420 h 2487930"/>
+              <a:gd name="connsiteX13" fmla="*/ 3093720 w 3154680"/>
+              <a:gd name="connsiteY13" fmla="*/ 1935480 h 2487930"/>
+              <a:gd name="connsiteX14" fmla="*/ 3059430 w 3154680"/>
+              <a:gd name="connsiteY14" fmla="*/ 2388870 h 2487930"/>
+              <a:gd name="connsiteX15" fmla="*/ 2987040 w 3154680"/>
+              <a:gd name="connsiteY15" fmla="*/ 2411730 h 2487930"/>
+              <a:gd name="connsiteX16" fmla="*/ 171450 w 3154680"/>
+              <a:gd name="connsiteY16" fmla="*/ 2385060 h 2487930"/>
+              <a:gd name="connsiteX17" fmla="*/ 133350 w 3154680"/>
+              <a:gd name="connsiteY17" fmla="*/ 2346960 h 2487930"/>
+              <a:gd name="connsiteX18" fmla="*/ 83820 w 3154680"/>
+              <a:gd name="connsiteY18" fmla="*/ 2339340 h 2487930"/>
+              <a:gd name="connsiteX19" fmla="*/ 15240 w 3154680"/>
+              <a:gd name="connsiteY19" fmla="*/ 2301240 h 2487930"/>
+              <a:gd name="connsiteX0" fmla="*/ 15240 w 3154680"/>
+              <a:gd name="connsiteY0" fmla="*/ 2301240 h 2487930"/>
+              <a:gd name="connsiteX1" fmla="*/ 0 w 3154680"/>
+              <a:gd name="connsiteY1" fmla="*/ 2415540 h 2487930"/>
+              <a:gd name="connsiteX2" fmla="*/ 156210 w 3154680"/>
+              <a:gd name="connsiteY2" fmla="*/ 2465070 h 2487930"/>
+              <a:gd name="connsiteX3" fmla="*/ 3116580 w 3154680"/>
+              <a:gd name="connsiteY3" fmla="*/ 2487930 h 2487930"/>
+              <a:gd name="connsiteX4" fmla="*/ 3154680 w 3154680"/>
+              <a:gd name="connsiteY4" fmla="*/ 2442210 h 2487930"/>
+              <a:gd name="connsiteX5" fmla="*/ 3124200 w 3154680"/>
+              <a:gd name="connsiteY5" fmla="*/ 773430 h 2487930"/>
+              <a:gd name="connsiteX6" fmla="*/ 3055620 w 3154680"/>
+              <a:gd name="connsiteY6" fmla="*/ 731520 h 2487930"/>
+              <a:gd name="connsiteX7" fmla="*/ 3078480 w 3154680"/>
+              <a:gd name="connsiteY7" fmla="*/ 651510 h 2487930"/>
+              <a:gd name="connsiteX8" fmla="*/ 3107690 w 3154680"/>
+              <a:gd name="connsiteY8" fmla="*/ 0 h 2487930"/>
+              <a:gd name="connsiteX9" fmla="*/ 3032760 w 3154680"/>
+              <a:gd name="connsiteY9" fmla="*/ 510540 h 2487930"/>
+              <a:gd name="connsiteX10" fmla="*/ 3009900 w 3154680"/>
+              <a:gd name="connsiteY10" fmla="*/ 807720 h 2487930"/>
+              <a:gd name="connsiteX11" fmla="*/ 3082290 w 3154680"/>
+              <a:gd name="connsiteY11" fmla="*/ 994410 h 2487930"/>
+              <a:gd name="connsiteX12" fmla="*/ 3093720 w 3154680"/>
+              <a:gd name="connsiteY12" fmla="*/ 1455420 h 2487930"/>
+              <a:gd name="connsiteX13" fmla="*/ 3093720 w 3154680"/>
+              <a:gd name="connsiteY13" fmla="*/ 1935480 h 2487930"/>
+              <a:gd name="connsiteX14" fmla="*/ 3059430 w 3154680"/>
+              <a:gd name="connsiteY14" fmla="*/ 2388870 h 2487930"/>
+              <a:gd name="connsiteX15" fmla="*/ 2987040 w 3154680"/>
+              <a:gd name="connsiteY15" fmla="*/ 2411730 h 2487930"/>
+              <a:gd name="connsiteX16" fmla="*/ 171450 w 3154680"/>
+              <a:gd name="connsiteY16" fmla="*/ 2385060 h 2487930"/>
+              <a:gd name="connsiteX17" fmla="*/ 133350 w 3154680"/>
+              <a:gd name="connsiteY17" fmla="*/ 2346960 h 2487930"/>
+              <a:gd name="connsiteX18" fmla="*/ 83820 w 3154680"/>
+              <a:gd name="connsiteY18" fmla="*/ 2339340 h 2487930"/>
+              <a:gd name="connsiteX19" fmla="*/ 15240 w 3154680"/>
+              <a:gd name="connsiteY19" fmla="*/ 2301240 h 2487930"/>
+              <a:gd name="connsiteX0" fmla="*/ 15240 w 3154680"/>
+              <a:gd name="connsiteY0" fmla="*/ 2301240 h 2487930"/>
+              <a:gd name="connsiteX1" fmla="*/ 0 w 3154680"/>
+              <a:gd name="connsiteY1" fmla="*/ 2415540 h 2487930"/>
+              <a:gd name="connsiteX2" fmla="*/ 156210 w 3154680"/>
+              <a:gd name="connsiteY2" fmla="*/ 2465070 h 2487930"/>
+              <a:gd name="connsiteX3" fmla="*/ 3116580 w 3154680"/>
+              <a:gd name="connsiteY3" fmla="*/ 2487930 h 2487930"/>
+              <a:gd name="connsiteX4" fmla="*/ 3154680 w 3154680"/>
+              <a:gd name="connsiteY4" fmla="*/ 2442210 h 2487930"/>
+              <a:gd name="connsiteX5" fmla="*/ 3124200 w 3154680"/>
+              <a:gd name="connsiteY5" fmla="*/ 773430 h 2487930"/>
+              <a:gd name="connsiteX6" fmla="*/ 3055620 w 3154680"/>
+              <a:gd name="connsiteY6" fmla="*/ 731520 h 2487930"/>
+              <a:gd name="connsiteX7" fmla="*/ 3078480 w 3154680"/>
+              <a:gd name="connsiteY7" fmla="*/ 651510 h 2487930"/>
+              <a:gd name="connsiteX8" fmla="*/ 3107690 w 3154680"/>
+              <a:gd name="connsiteY8" fmla="*/ 0 h 2487930"/>
+              <a:gd name="connsiteX9" fmla="*/ 3032760 w 3154680"/>
+              <a:gd name="connsiteY9" fmla="*/ 510540 h 2487930"/>
+              <a:gd name="connsiteX10" fmla="*/ 3009900 w 3154680"/>
+              <a:gd name="connsiteY10" fmla="*/ 807720 h 2487930"/>
+              <a:gd name="connsiteX11" fmla="*/ 3082290 w 3154680"/>
+              <a:gd name="connsiteY11" fmla="*/ 994410 h 2487930"/>
+              <a:gd name="connsiteX12" fmla="*/ 3093720 w 3154680"/>
+              <a:gd name="connsiteY12" fmla="*/ 1455420 h 2487930"/>
+              <a:gd name="connsiteX13" fmla="*/ 3093720 w 3154680"/>
+              <a:gd name="connsiteY13" fmla="*/ 1935480 h 2487930"/>
+              <a:gd name="connsiteX14" fmla="*/ 3059430 w 3154680"/>
+              <a:gd name="connsiteY14" fmla="*/ 2388870 h 2487930"/>
+              <a:gd name="connsiteX15" fmla="*/ 2987040 w 3154680"/>
+              <a:gd name="connsiteY15" fmla="*/ 2411730 h 2487930"/>
+              <a:gd name="connsiteX16" fmla="*/ 171450 w 3154680"/>
+              <a:gd name="connsiteY16" fmla="*/ 2385060 h 2487930"/>
+              <a:gd name="connsiteX17" fmla="*/ 133350 w 3154680"/>
+              <a:gd name="connsiteY17" fmla="*/ 2346960 h 2487930"/>
+              <a:gd name="connsiteX18" fmla="*/ 83820 w 3154680"/>
+              <a:gd name="connsiteY18" fmla="*/ 2339340 h 2487930"/>
+              <a:gd name="connsiteX19" fmla="*/ 15240 w 3154680"/>
+              <a:gd name="connsiteY19" fmla="*/ 2301240 h 2487930"/>
+              <a:gd name="connsiteX0" fmla="*/ 15240 w 3154680"/>
+              <a:gd name="connsiteY0" fmla="*/ 2708458 h 2895148"/>
+              <a:gd name="connsiteX1" fmla="*/ 0 w 3154680"/>
+              <a:gd name="connsiteY1" fmla="*/ 2822758 h 2895148"/>
+              <a:gd name="connsiteX2" fmla="*/ 156210 w 3154680"/>
+              <a:gd name="connsiteY2" fmla="*/ 2872288 h 2895148"/>
+              <a:gd name="connsiteX3" fmla="*/ 3116580 w 3154680"/>
+              <a:gd name="connsiteY3" fmla="*/ 2895148 h 2895148"/>
+              <a:gd name="connsiteX4" fmla="*/ 3154680 w 3154680"/>
+              <a:gd name="connsiteY4" fmla="*/ 2849428 h 2895148"/>
+              <a:gd name="connsiteX5" fmla="*/ 3124200 w 3154680"/>
+              <a:gd name="connsiteY5" fmla="*/ 1180648 h 2895148"/>
+              <a:gd name="connsiteX6" fmla="*/ 3055620 w 3154680"/>
+              <a:gd name="connsiteY6" fmla="*/ 1138738 h 2895148"/>
+              <a:gd name="connsiteX7" fmla="*/ 3078480 w 3154680"/>
+              <a:gd name="connsiteY7" fmla="*/ 1058728 h 2895148"/>
+              <a:gd name="connsiteX8" fmla="*/ 3107690 w 3154680"/>
+              <a:gd name="connsiteY8" fmla="*/ 407218 h 2895148"/>
+              <a:gd name="connsiteX9" fmla="*/ 3072130 w 3154680"/>
+              <a:gd name="connsiteY9" fmla="*/ 12248 h 2895148"/>
+              <a:gd name="connsiteX10" fmla="*/ 3032760 w 3154680"/>
+              <a:gd name="connsiteY10" fmla="*/ 917758 h 2895148"/>
+              <a:gd name="connsiteX11" fmla="*/ 3009900 w 3154680"/>
+              <a:gd name="connsiteY11" fmla="*/ 1214938 h 2895148"/>
+              <a:gd name="connsiteX12" fmla="*/ 3082290 w 3154680"/>
+              <a:gd name="connsiteY12" fmla="*/ 1401628 h 2895148"/>
+              <a:gd name="connsiteX13" fmla="*/ 3093720 w 3154680"/>
+              <a:gd name="connsiteY13" fmla="*/ 1862638 h 2895148"/>
+              <a:gd name="connsiteX14" fmla="*/ 3093720 w 3154680"/>
+              <a:gd name="connsiteY14" fmla="*/ 2342698 h 2895148"/>
+              <a:gd name="connsiteX15" fmla="*/ 3059430 w 3154680"/>
+              <a:gd name="connsiteY15" fmla="*/ 2796088 h 2895148"/>
+              <a:gd name="connsiteX16" fmla="*/ 2987040 w 3154680"/>
+              <a:gd name="connsiteY16" fmla="*/ 2818948 h 2895148"/>
+              <a:gd name="connsiteX17" fmla="*/ 171450 w 3154680"/>
+              <a:gd name="connsiteY17" fmla="*/ 2792278 h 2895148"/>
+              <a:gd name="connsiteX18" fmla="*/ 133350 w 3154680"/>
+              <a:gd name="connsiteY18" fmla="*/ 2754178 h 2895148"/>
+              <a:gd name="connsiteX19" fmla="*/ 83820 w 3154680"/>
+              <a:gd name="connsiteY19" fmla="*/ 2746558 h 2895148"/>
+              <a:gd name="connsiteX20" fmla="*/ 15240 w 3154680"/>
+              <a:gd name="connsiteY20" fmla="*/ 2708458 h 2895148"/>
+              <a:gd name="connsiteX0" fmla="*/ 15240 w 3154680"/>
+              <a:gd name="connsiteY0" fmla="*/ 2708458 h 2895148"/>
+              <a:gd name="connsiteX1" fmla="*/ 0 w 3154680"/>
+              <a:gd name="connsiteY1" fmla="*/ 2822758 h 2895148"/>
+              <a:gd name="connsiteX2" fmla="*/ 156210 w 3154680"/>
+              <a:gd name="connsiteY2" fmla="*/ 2872288 h 2895148"/>
+              <a:gd name="connsiteX3" fmla="*/ 3116580 w 3154680"/>
+              <a:gd name="connsiteY3" fmla="*/ 2895148 h 2895148"/>
+              <a:gd name="connsiteX4" fmla="*/ 3154680 w 3154680"/>
+              <a:gd name="connsiteY4" fmla="*/ 2849428 h 2895148"/>
+              <a:gd name="connsiteX5" fmla="*/ 3124200 w 3154680"/>
+              <a:gd name="connsiteY5" fmla="*/ 1180648 h 2895148"/>
+              <a:gd name="connsiteX6" fmla="*/ 3055620 w 3154680"/>
+              <a:gd name="connsiteY6" fmla="*/ 1138738 h 2895148"/>
+              <a:gd name="connsiteX7" fmla="*/ 3114040 w 3154680"/>
+              <a:gd name="connsiteY7" fmla="*/ 1028248 h 2895148"/>
+              <a:gd name="connsiteX8" fmla="*/ 3107690 w 3154680"/>
+              <a:gd name="connsiteY8" fmla="*/ 407218 h 2895148"/>
+              <a:gd name="connsiteX9" fmla="*/ 3072130 w 3154680"/>
+              <a:gd name="connsiteY9" fmla="*/ 12248 h 2895148"/>
+              <a:gd name="connsiteX10" fmla="*/ 3032760 w 3154680"/>
+              <a:gd name="connsiteY10" fmla="*/ 917758 h 2895148"/>
+              <a:gd name="connsiteX11" fmla="*/ 3009900 w 3154680"/>
+              <a:gd name="connsiteY11" fmla="*/ 1214938 h 2895148"/>
+              <a:gd name="connsiteX12" fmla="*/ 3082290 w 3154680"/>
+              <a:gd name="connsiteY12" fmla="*/ 1401628 h 2895148"/>
+              <a:gd name="connsiteX13" fmla="*/ 3093720 w 3154680"/>
+              <a:gd name="connsiteY13" fmla="*/ 1862638 h 2895148"/>
+              <a:gd name="connsiteX14" fmla="*/ 3093720 w 3154680"/>
+              <a:gd name="connsiteY14" fmla="*/ 2342698 h 2895148"/>
+              <a:gd name="connsiteX15" fmla="*/ 3059430 w 3154680"/>
+              <a:gd name="connsiteY15" fmla="*/ 2796088 h 2895148"/>
+              <a:gd name="connsiteX16" fmla="*/ 2987040 w 3154680"/>
+              <a:gd name="connsiteY16" fmla="*/ 2818948 h 2895148"/>
+              <a:gd name="connsiteX17" fmla="*/ 171450 w 3154680"/>
+              <a:gd name="connsiteY17" fmla="*/ 2792278 h 2895148"/>
+              <a:gd name="connsiteX18" fmla="*/ 133350 w 3154680"/>
+              <a:gd name="connsiteY18" fmla="*/ 2754178 h 2895148"/>
+              <a:gd name="connsiteX19" fmla="*/ 83820 w 3154680"/>
+              <a:gd name="connsiteY19" fmla="*/ 2746558 h 2895148"/>
+              <a:gd name="connsiteX20" fmla="*/ 15240 w 3154680"/>
+              <a:gd name="connsiteY20" fmla="*/ 2708458 h 2895148"/>
+              <a:gd name="connsiteX0" fmla="*/ 15240 w 3154680"/>
+              <a:gd name="connsiteY0" fmla="*/ 2708458 h 2895148"/>
+              <a:gd name="connsiteX1" fmla="*/ 0 w 3154680"/>
+              <a:gd name="connsiteY1" fmla="*/ 2822758 h 2895148"/>
+              <a:gd name="connsiteX2" fmla="*/ 156210 w 3154680"/>
+              <a:gd name="connsiteY2" fmla="*/ 2872288 h 2895148"/>
+              <a:gd name="connsiteX3" fmla="*/ 3116580 w 3154680"/>
+              <a:gd name="connsiteY3" fmla="*/ 2895148 h 2895148"/>
+              <a:gd name="connsiteX4" fmla="*/ 3154680 w 3154680"/>
+              <a:gd name="connsiteY4" fmla="*/ 2849428 h 2895148"/>
+              <a:gd name="connsiteX5" fmla="*/ 3124200 w 3154680"/>
+              <a:gd name="connsiteY5" fmla="*/ 1180648 h 2895148"/>
+              <a:gd name="connsiteX6" fmla="*/ 3086100 w 3154680"/>
+              <a:gd name="connsiteY6" fmla="*/ 1128578 h 2895148"/>
+              <a:gd name="connsiteX7" fmla="*/ 3114040 w 3154680"/>
+              <a:gd name="connsiteY7" fmla="*/ 1028248 h 2895148"/>
+              <a:gd name="connsiteX8" fmla="*/ 3107690 w 3154680"/>
+              <a:gd name="connsiteY8" fmla="*/ 407218 h 2895148"/>
+              <a:gd name="connsiteX9" fmla="*/ 3072130 w 3154680"/>
+              <a:gd name="connsiteY9" fmla="*/ 12248 h 2895148"/>
+              <a:gd name="connsiteX10" fmla="*/ 3032760 w 3154680"/>
+              <a:gd name="connsiteY10" fmla="*/ 917758 h 2895148"/>
+              <a:gd name="connsiteX11" fmla="*/ 3009900 w 3154680"/>
+              <a:gd name="connsiteY11" fmla="*/ 1214938 h 2895148"/>
+              <a:gd name="connsiteX12" fmla="*/ 3082290 w 3154680"/>
+              <a:gd name="connsiteY12" fmla="*/ 1401628 h 2895148"/>
+              <a:gd name="connsiteX13" fmla="*/ 3093720 w 3154680"/>
+              <a:gd name="connsiteY13" fmla="*/ 1862638 h 2895148"/>
+              <a:gd name="connsiteX14" fmla="*/ 3093720 w 3154680"/>
+              <a:gd name="connsiteY14" fmla="*/ 2342698 h 2895148"/>
+              <a:gd name="connsiteX15" fmla="*/ 3059430 w 3154680"/>
+              <a:gd name="connsiteY15" fmla="*/ 2796088 h 2895148"/>
+              <a:gd name="connsiteX16" fmla="*/ 2987040 w 3154680"/>
+              <a:gd name="connsiteY16" fmla="*/ 2818948 h 2895148"/>
+              <a:gd name="connsiteX17" fmla="*/ 171450 w 3154680"/>
+              <a:gd name="connsiteY17" fmla="*/ 2792278 h 2895148"/>
+              <a:gd name="connsiteX18" fmla="*/ 133350 w 3154680"/>
+              <a:gd name="connsiteY18" fmla="*/ 2754178 h 2895148"/>
+              <a:gd name="connsiteX19" fmla="*/ 83820 w 3154680"/>
+              <a:gd name="connsiteY19" fmla="*/ 2746558 h 2895148"/>
+              <a:gd name="connsiteX20" fmla="*/ 15240 w 3154680"/>
+              <a:gd name="connsiteY20" fmla="*/ 2708458 h 2895148"/>
+            </a:gdLst>
+            <a:ahLst/>
+            <a:cxnLst>
+              <a:cxn ang="0">
+                <a:pos x="connsiteX0" y="connsiteY0"/>
+              </a:cxn>
+              <a:cxn ang="0">
+                <a:pos x="connsiteX1" y="connsiteY1"/>
+              </a:cxn>
+              <a:cxn ang="0">
+                <a:pos x="connsiteX2" y="connsiteY2"/>
+              </a:cxn>
+              <a:cxn ang="0">
+                <a:pos x="connsiteX3" y="connsiteY3"/>
+              </a:cxn>
+              <a:cxn ang="0">
+                <a:pos x="connsiteX4" y="connsiteY4"/>
+              </a:cxn>
+              <a:cxn ang="0">
+                <a:pos x="connsiteX5" y="connsiteY5"/>
+              </a:cxn>
+              <a:cxn ang="0">
+                <a:pos x="connsiteX6" y="connsiteY6"/>
+              </a:cxn>
+              <a:cxn ang="0">
+                <a:pos x="connsiteX7" y="connsiteY7"/>
+              </a:cxn>
+              <a:cxn ang="0">
+                <a:pos x="connsiteX8" y="connsiteY8"/>
+              </a:cxn>
+              <a:cxn ang="0">
+                <a:pos x="connsiteX9" y="connsiteY9"/>
+              </a:cxn>
+              <a:cxn ang="0">
+                <a:pos x="connsiteX10" y="connsiteY10"/>
+              </a:cxn>
+              <a:cxn ang="0">
+                <a:pos x="connsiteX11" y="connsiteY11"/>
+              </a:cxn>
+              <a:cxn ang="0">
+                <a:pos x="connsiteX12" y="connsiteY12"/>
+              </a:cxn>
+              <a:cxn ang="0">
+                <a:pos x="connsiteX13" y="connsiteY13"/>
+              </a:cxn>
+              <a:cxn ang="0">
+                <a:pos x="connsiteX14" y="connsiteY14"/>
+              </a:cxn>
+              <a:cxn ang="0">
+                <a:pos x="connsiteX15" y="connsiteY15"/>
+              </a:cxn>
+              <a:cxn ang="0">
+                <a:pos x="connsiteX16" y="connsiteY16"/>
+              </a:cxn>
+              <a:cxn ang="0">
+                <a:pos x="connsiteX17" y="connsiteY17"/>
+              </a:cxn>
+              <a:cxn ang="0">
+                <a:pos x="connsiteX18" y="connsiteY18"/>
+              </a:cxn>
+              <a:cxn ang="0">
+                <a:pos x="connsiteX19" y="connsiteY19"/>
+              </a:cxn>
+              <a:cxn ang="0">
+                <a:pos x="connsiteX20" y="connsiteY20"/>
+              </a:cxn>
+            </a:cxnLst>
+            <a:rect l="l" t="t" r="r" b="b"/>
+            <a:pathLst>
+              <a:path w="3154680" h="2895148">
+                <a:moveTo>
+                  <a:pt x="15240" y="2708458"/>
+                </a:moveTo>
+                <a:lnTo>
+                  <a:pt x="0" y="2822758"/>
+                </a:lnTo>
+                <a:lnTo>
+                  <a:pt x="156210" y="2872288"/>
+                </a:lnTo>
+                <a:lnTo>
+                  <a:pt x="3116580" y="2895148"/>
+                </a:lnTo>
+                <a:lnTo>
+                  <a:pt x="3154680" y="2849428"/>
+                </a:lnTo>
+                <a:lnTo>
+                  <a:pt x="3124200" y="1180648"/>
+                </a:lnTo>
+                <a:lnTo>
+                  <a:pt x="3086100" y="1128578"/>
+                </a:lnTo>
+                <a:lnTo>
+                  <a:pt x="3114040" y="1028248"/>
+                </a:lnTo>
+                <a:cubicBezTo>
+                  <a:pt x="3123777" y="811078"/>
+                  <a:pt x="3113193" y="624388"/>
+                  <a:pt x="3107690" y="407218"/>
+                </a:cubicBezTo>
+                <a:cubicBezTo>
+                  <a:pt x="3103245" y="309851"/>
+                  <a:pt x="3084618" y="-72842"/>
+                  <a:pt x="3072130" y="12248"/>
+                </a:cubicBezTo>
+                <a:cubicBezTo>
+                  <a:pt x="3059642" y="97338"/>
+                  <a:pt x="3039745" y="794356"/>
+                  <a:pt x="3032760" y="917758"/>
+                </a:cubicBezTo>
+                <a:lnTo>
+                  <a:pt x="3009900" y="1214938"/>
+                </a:lnTo>
+                <a:lnTo>
+                  <a:pt x="3082290" y="1401628"/>
+                </a:lnTo>
+                <a:lnTo>
+                  <a:pt x="3093720" y="1862638"/>
+                </a:lnTo>
+                <a:lnTo>
+                  <a:pt x="3093720" y="2342698"/>
+                </a:lnTo>
+                <a:lnTo>
+                  <a:pt x="3059430" y="2796088"/>
+                </a:lnTo>
+                <a:lnTo>
+                  <a:pt x="2987040" y="2818948"/>
+                </a:lnTo>
+                <a:lnTo>
+                  <a:pt x="171450" y="2792278"/>
+                </a:lnTo>
+                <a:lnTo>
+                  <a:pt x="133350" y="2754178"/>
+                </a:lnTo>
+                <a:lnTo>
+                  <a:pt x="83820" y="2746558"/>
+                </a:lnTo>
+                <a:lnTo>
+                  <a:pt x="15240" y="2708458"/>
+                </a:lnTo>
+                <a:close/>
+              </a:path>
+            </a:pathLst>
+          </a:custGeom>
+          <a:solidFill>
+            <a:schemeClr val="tx1">
+              <a:alpha val="25000"/>
+            </a:schemeClr>
+          </a:solidFill>
+          <a:ln>
+            <a:noFill/>
+          </a:ln>
+        </p:spPr>
+        <p:style>
+          <a:lnRef idx="2">
+            <a:schemeClr val="accent1">
+              <a:shade val="50000"/>
+            </a:schemeClr>
+          </a:lnRef>
+          <a:fillRef idx="1">
+            <a:schemeClr val="accent1"/>
+          </a:fillRef>
+          <a:effectRef idx="0">
+            <a:schemeClr val="accent1"/>
+          </a:effectRef>
+          <a:fontRef idx="minor">
+            <a:schemeClr val="lt1"/>
+          </a:fontRef>
+        </p:style>
+        <p:txBody>
+          <a:bodyPr rtlCol="0" anchor="ctr"/>
+          <a:lstStyle/>
+          <a:p>
+            <a:pPr algn="ctr"/>
+            <a:endParaRPr lang="en-US"/>
+          </a:p>
+        </p:txBody>
+      </p:sp>
+      <p:sp>
+        <p:nvSpPr>
+          <p:cNvPr id="9" name="Rectangle 8">
+            <a:extLst>
+              <a:ext uri="{FF2B5EF4-FFF2-40B4-BE49-F238E27FC236}">
+                <a16:creationId xmlns:a16="http://schemas.microsoft.com/office/drawing/2014/main" id="{08F02ACB-4311-456D-A26F-225CE3929C84}"/>
+              </a:ext>
+            </a:extLst>
+          </p:cNvPr>
+          <p:cNvSpPr/>
+          <p:nvPr/>
+        </p:nvSpPr>
+        <p:spPr>
+          <a:xfrm>
+            <a:off x="6438899" y="1137138"/>
+            <a:ext cx="3253154" cy="3112477"/>
+          </a:xfrm>
+          <a:prstGeom prst="rect">
+            <a:avLst/>
+          </a:prstGeom>
+          <a:solidFill>
+            <a:schemeClr val="accent1"/>
+          </a:solidFill>
+        </p:spPr>
+        <p:style>
+          <a:lnRef idx="2">
+            <a:schemeClr val="accent1">
+              <a:shade val="50000"/>
+            </a:schemeClr>
+          </a:lnRef>
+          <a:fillRef idx="1">
+            <a:schemeClr val="accent1"/>
+          </a:fillRef>
+          <a:effectRef idx="0">
+            <a:schemeClr val="accent1"/>
+          </a:effectRef>
+          <a:fontRef idx="minor">
+            <a:schemeClr val="lt1"/>
+          </a:fontRef>
+        </p:style>
+        <p:txBody>
+          <a:bodyPr rtlCol="0" anchor="ctr"/>
+          <a:lstStyle/>
+          <a:p>
+            <a:pPr algn="ctr"/>
+            <a:endParaRPr lang="en-US"/>
+          </a:p>
+        </p:txBody>
+      </p:sp>
+      <p:sp>
+        <p:nvSpPr>
+          <p:cNvPr id="10" name="Rectangle 9">
+            <a:extLst>
+              <a:ext uri="{FF2B5EF4-FFF2-40B4-BE49-F238E27FC236}">
+                <a16:creationId xmlns:a16="http://schemas.microsoft.com/office/drawing/2014/main" id="{1DD19912-873E-4682-8C84-119314313837}"/>
+              </a:ext>
+            </a:extLst>
+          </p:cNvPr>
+          <p:cNvSpPr/>
+          <p:nvPr/>
+        </p:nvSpPr>
+        <p:spPr>
+          <a:xfrm>
+            <a:off x="6438899" y="1137138"/>
+            <a:ext cx="1643381" cy="3112477"/>
+          </a:xfrm>
+          <a:prstGeom prst="rect">
+            <a:avLst/>
+          </a:prstGeom>
+          <a:noFill/>
+        </p:spPr>
+        <p:style>
+          <a:lnRef idx="2">
+            <a:schemeClr val="accent1">
+              <a:shade val="50000"/>
+            </a:schemeClr>
+          </a:lnRef>
+          <a:fillRef idx="1">
+            <a:schemeClr val="accent1"/>
+          </a:fillRef>
+          <a:effectRef idx="0">
+            <a:schemeClr val="accent1"/>
+          </a:effectRef>
+          <a:fontRef idx="minor">
+            <a:schemeClr val="lt1"/>
+          </a:fontRef>
+        </p:style>
+        <p:txBody>
+          <a:bodyPr rtlCol="0" anchor="ctr"/>
+          <a:lstStyle/>
+          <a:p>
+            <a:pPr algn="ctr"/>
+            <a:endParaRPr lang="en-US"/>
+          </a:p>
+        </p:txBody>
+      </p:sp>
+      <p:sp>
+        <p:nvSpPr>
+          <p:cNvPr id="13" name="Rectangle 12">
+            <a:extLst>
+              <a:ext uri="{FF2B5EF4-FFF2-40B4-BE49-F238E27FC236}">
+                <a16:creationId xmlns:a16="http://schemas.microsoft.com/office/drawing/2014/main" id="{75643C05-C4F9-4207-B02E-970B4E29A0B6}"/>
+              </a:ext>
+            </a:extLst>
+          </p:cNvPr>
+          <p:cNvSpPr/>
+          <p:nvPr/>
+        </p:nvSpPr>
+        <p:spPr>
+          <a:xfrm>
+            <a:off x="8077200" y="1142218"/>
+            <a:ext cx="1610360" cy="3112477"/>
+          </a:xfrm>
+          <a:prstGeom prst="rect">
+            <a:avLst/>
+          </a:prstGeom>
+          <a:noFill/>
+        </p:spPr>
+        <p:style>
+          <a:lnRef idx="2">
+            <a:schemeClr val="accent1">
+              <a:shade val="50000"/>
+            </a:schemeClr>
+          </a:lnRef>
+          <a:fillRef idx="1">
+            <a:schemeClr val="accent1"/>
+          </a:fillRef>
+          <a:effectRef idx="0">
+            <a:schemeClr val="accent1"/>
+          </a:effectRef>
+          <a:fontRef idx="minor">
+            <a:schemeClr val="lt1"/>
+          </a:fontRef>
+        </p:style>
+        <p:txBody>
+          <a:bodyPr rtlCol="0" anchor="ctr"/>
+          <a:lstStyle/>
+          <a:p>
+            <a:pPr algn="ctr"/>
+            <a:endParaRPr lang="en-US"/>
+          </a:p>
+        </p:txBody>
+      </p:sp>
+      <p:sp>
+        <p:nvSpPr>
+          <p:cNvPr id="14" name="Rectangle 13">
+            <a:extLst>
+              <a:ext uri="{FF2B5EF4-FFF2-40B4-BE49-F238E27FC236}">
+                <a16:creationId xmlns:a16="http://schemas.microsoft.com/office/drawing/2014/main" id="{B08505C2-5965-4DD5-90F4-044793B1385C}"/>
+              </a:ext>
+            </a:extLst>
+          </p:cNvPr>
+          <p:cNvSpPr/>
+          <p:nvPr/>
+        </p:nvSpPr>
+        <p:spPr>
+          <a:xfrm>
+            <a:off x="8072120" y="1137139"/>
+            <a:ext cx="1610360" cy="1606062"/>
+          </a:xfrm>
+          <a:prstGeom prst="rect">
+            <a:avLst/>
+          </a:prstGeom>
+          <a:noFill/>
+        </p:spPr>
+        <p:style>
+          <a:lnRef idx="2">
+            <a:schemeClr val="accent1">
+              <a:shade val="50000"/>
+            </a:schemeClr>
+          </a:lnRef>
+          <a:fillRef idx="1">
+            <a:schemeClr val="accent1"/>
+          </a:fillRef>
+          <a:effectRef idx="0">
+            <a:schemeClr val="accent1"/>
+          </a:effectRef>
+          <a:fontRef idx="minor">
+            <a:schemeClr val="lt1"/>
+          </a:fontRef>
+        </p:style>
+        <p:txBody>
+          <a:bodyPr rtlCol="0" anchor="ctr"/>
+          <a:lstStyle/>
+          <a:p>
+            <a:pPr algn="ctr"/>
+            <a:endParaRPr lang="en-US"/>
+          </a:p>
+        </p:txBody>
+      </p:sp>
+      <p:sp>
+        <p:nvSpPr>
+          <p:cNvPr id="3" name="Freeform: Shape 2">
+            <a:extLst>
+              <a:ext uri="{FF2B5EF4-FFF2-40B4-BE49-F238E27FC236}">
+                <a16:creationId xmlns:a16="http://schemas.microsoft.com/office/drawing/2014/main" id="{84D46022-FB1C-4247-938B-4ED50A5A4358}"/>
+              </a:ext>
+            </a:extLst>
+          </p:cNvPr>
+          <p:cNvSpPr/>
+          <p:nvPr/>
+        </p:nvSpPr>
+        <p:spPr>
+          <a:xfrm>
+            <a:off x="6441440" y="1163320"/>
+            <a:ext cx="1615440" cy="3078480"/>
+          </a:xfrm>
+          <a:custGeom>
+            <a:avLst/>
+            <a:gdLst>
+              <a:gd name="connsiteX0" fmla="*/ 25400 w 1615440"/>
+              <a:gd name="connsiteY0" fmla="*/ 71120 h 3078480"/>
+              <a:gd name="connsiteX1" fmla="*/ 55880 w 1615440"/>
+              <a:gd name="connsiteY1" fmla="*/ 10160 h 3078480"/>
+              <a:gd name="connsiteX2" fmla="*/ 101600 w 1615440"/>
+              <a:gd name="connsiteY2" fmla="*/ 5080 h 3078480"/>
+              <a:gd name="connsiteX3" fmla="*/ 1544320 w 1615440"/>
+              <a:gd name="connsiteY3" fmla="*/ 0 h 3078480"/>
+              <a:gd name="connsiteX4" fmla="*/ 1615440 w 1615440"/>
+              <a:gd name="connsiteY4" fmla="*/ 20320 h 3078480"/>
+              <a:gd name="connsiteX5" fmla="*/ 1610360 w 1615440"/>
+              <a:gd name="connsiteY5" fmla="*/ 203200 h 3078480"/>
+              <a:gd name="connsiteX6" fmla="*/ 1595120 w 1615440"/>
+              <a:gd name="connsiteY6" fmla="*/ 1793240 h 3078480"/>
+              <a:gd name="connsiteX7" fmla="*/ 1615440 w 1615440"/>
+              <a:gd name="connsiteY7" fmla="*/ 2976880 h 3078480"/>
+              <a:gd name="connsiteX8" fmla="*/ 1595120 w 1615440"/>
+              <a:gd name="connsiteY8" fmla="*/ 3017520 h 3078480"/>
+              <a:gd name="connsiteX9" fmla="*/ 1534160 w 1615440"/>
+              <a:gd name="connsiteY9" fmla="*/ 3068320 h 3078480"/>
+              <a:gd name="connsiteX10" fmla="*/ 797560 w 1615440"/>
+              <a:gd name="connsiteY10" fmla="*/ 3078480 h 3078480"/>
+              <a:gd name="connsiteX11" fmla="*/ 604520 w 1615440"/>
+              <a:gd name="connsiteY11" fmla="*/ 3042920 h 3078480"/>
+              <a:gd name="connsiteX12" fmla="*/ 528320 w 1615440"/>
+              <a:gd name="connsiteY12" fmla="*/ 3068320 h 3078480"/>
+              <a:gd name="connsiteX13" fmla="*/ 60960 w 1615440"/>
+              <a:gd name="connsiteY13" fmla="*/ 3078480 h 3078480"/>
+              <a:gd name="connsiteX14" fmla="*/ 10160 w 1615440"/>
+              <a:gd name="connsiteY14" fmla="*/ 3027680 h 3078480"/>
+              <a:gd name="connsiteX15" fmla="*/ 0 w 1615440"/>
+              <a:gd name="connsiteY15" fmla="*/ 2885440 h 3078480"/>
+              <a:gd name="connsiteX16" fmla="*/ 25400 w 1615440"/>
+              <a:gd name="connsiteY16" fmla="*/ 71120 h 3078480"/>
+            </a:gdLst>
+            <a:ahLst/>
+            <a:cxnLst>
+              <a:cxn ang="0">
+                <a:pos x="connsiteX0" y="connsiteY0"/>
+              </a:cxn>
+              <a:cxn ang="0">
+                <a:pos x="connsiteX1" y="connsiteY1"/>
+              </a:cxn>
+              <a:cxn ang="0">
+                <a:pos x="connsiteX2" y="connsiteY2"/>
+              </a:cxn>
+              <a:cxn ang="0">
+                <a:pos x="connsiteX3" y="connsiteY3"/>
+              </a:cxn>
+              <a:cxn ang="0">
+                <a:pos x="connsiteX4" y="connsiteY4"/>
+              </a:cxn>
+              <a:cxn ang="0">
+                <a:pos x="connsiteX5" y="connsiteY5"/>
+              </a:cxn>
+              <a:cxn ang="0">
+                <a:pos x="connsiteX6" y="connsiteY6"/>
+              </a:cxn>
+              <a:cxn ang="0">
+                <a:pos x="connsiteX7" y="connsiteY7"/>
+              </a:cxn>
+              <a:cxn ang="0">
+                <a:pos x="connsiteX8" y="connsiteY8"/>
+              </a:cxn>
+              <a:cxn ang="0">
+                <a:pos x="connsiteX9" y="connsiteY9"/>
+              </a:cxn>
+              <a:cxn ang="0">
+                <a:pos x="connsiteX10" y="connsiteY10"/>
+              </a:cxn>
+              <a:cxn ang="0">
+                <a:pos x="connsiteX11" y="connsiteY11"/>
+              </a:cxn>
+              <a:cxn ang="0">
+                <a:pos x="connsiteX12" y="connsiteY12"/>
+              </a:cxn>
+              <a:cxn ang="0">
+                <a:pos x="connsiteX13" y="connsiteY13"/>
+              </a:cxn>
+              <a:cxn ang="0">
+                <a:pos x="connsiteX14" y="connsiteY14"/>
+              </a:cxn>
+              <a:cxn ang="0">
+                <a:pos x="connsiteX15" y="connsiteY15"/>
+              </a:cxn>
+              <a:cxn ang="0">
+                <a:pos x="connsiteX16" y="connsiteY16"/>
+              </a:cxn>
+            </a:cxnLst>
+            <a:rect l="l" t="t" r="r" b="b"/>
+            <a:pathLst>
+              <a:path w="1615440" h="3078480">
+                <a:moveTo>
+                  <a:pt x="25400" y="71120"/>
+                </a:moveTo>
+                <a:lnTo>
+                  <a:pt x="55880" y="10160"/>
+                </a:lnTo>
+                <a:lnTo>
+                  <a:pt x="101600" y="5080"/>
+                </a:lnTo>
+                <a:lnTo>
+                  <a:pt x="1544320" y="0"/>
+                </a:lnTo>
+                <a:lnTo>
+                  <a:pt x="1615440" y="20320"/>
+                </a:lnTo>
+                <a:lnTo>
+                  <a:pt x="1610360" y="203200"/>
+                </a:lnTo>
+                <a:lnTo>
+                  <a:pt x="1595120" y="1793240"/>
+                </a:lnTo>
+                <a:lnTo>
+                  <a:pt x="1615440" y="2976880"/>
+                </a:lnTo>
+                <a:lnTo>
+                  <a:pt x="1595120" y="3017520"/>
+                </a:lnTo>
+                <a:lnTo>
+                  <a:pt x="1534160" y="3068320"/>
+                </a:lnTo>
+                <a:lnTo>
+                  <a:pt x="797560" y="3078480"/>
+                </a:lnTo>
+                <a:lnTo>
+                  <a:pt x="604520" y="3042920"/>
+                </a:lnTo>
+                <a:lnTo>
+                  <a:pt x="528320" y="3068320"/>
+                </a:lnTo>
+                <a:lnTo>
+                  <a:pt x="60960" y="3078480"/>
+                </a:lnTo>
+                <a:lnTo>
+                  <a:pt x="10160" y="3027680"/>
+                </a:lnTo>
+                <a:lnTo>
+                  <a:pt x="0" y="2885440"/>
+                </a:lnTo>
+                <a:lnTo>
+                  <a:pt x="25400" y="71120"/>
+                </a:lnTo>
+                <a:close/>
+              </a:path>
+            </a:pathLst>
+          </a:custGeom>
+          <a:solidFill>
+            <a:schemeClr val="bg1"/>
+          </a:solidFill>
+          <a:ln>
+            <a:noFill/>
+          </a:ln>
+        </p:spPr>
+        <p:style>
+          <a:lnRef idx="2">
+            <a:schemeClr val="accent1">
+              <a:shade val="50000"/>
+            </a:schemeClr>
+          </a:lnRef>
+          <a:fillRef idx="1">
+            <a:schemeClr val="accent1"/>
+          </a:fillRef>
+          <a:effectRef idx="0">
+            <a:schemeClr val="accent1"/>
+          </a:effectRef>
+          <a:fontRef idx="minor">
+            <a:schemeClr val="lt1"/>
+          </a:fontRef>
+        </p:style>
+        <p:txBody>
+          <a:bodyPr rtlCol="0" anchor="ctr"/>
+          <a:lstStyle/>
+          <a:p>
+            <a:pPr algn="ctr"/>
+            <a:endParaRPr lang="en-US"/>
+          </a:p>
+        </p:txBody>
+      </p:sp>
+      <p:sp>
+        <p:nvSpPr>
+          <p:cNvPr id="4" name="Freeform: Shape 3">
+            <a:extLst>
+              <a:ext uri="{FF2B5EF4-FFF2-40B4-BE49-F238E27FC236}">
+                <a16:creationId xmlns:a16="http://schemas.microsoft.com/office/drawing/2014/main" id="{8B0A262A-B747-4142-8DE3-55C223C9F0B1}"/>
+              </a:ext>
+            </a:extLst>
+          </p:cNvPr>
+          <p:cNvSpPr/>
+          <p:nvPr/>
+        </p:nvSpPr>
+        <p:spPr>
+          <a:xfrm>
+            <a:off x="6461760" y="1224280"/>
+            <a:ext cx="1574800" cy="3007360"/>
+          </a:xfrm>
+          <a:custGeom>
+            <a:avLst/>
+            <a:gdLst>
+              <a:gd name="connsiteX0" fmla="*/ 1493520 w 1574800"/>
+              <a:gd name="connsiteY0" fmla="*/ 20320 h 3007360"/>
+              <a:gd name="connsiteX1" fmla="*/ 1574800 w 1574800"/>
+              <a:gd name="connsiteY1" fmla="*/ 0 h 3007360"/>
+              <a:gd name="connsiteX2" fmla="*/ 1559560 w 1574800"/>
+              <a:gd name="connsiteY2" fmla="*/ 182880 h 3007360"/>
+              <a:gd name="connsiteX3" fmla="*/ 1574800 w 1574800"/>
+              <a:gd name="connsiteY3" fmla="*/ 2717800 h 3007360"/>
+              <a:gd name="connsiteX4" fmla="*/ 1574800 w 1574800"/>
+              <a:gd name="connsiteY4" fmla="*/ 2921000 h 3007360"/>
+              <a:gd name="connsiteX5" fmla="*/ 1513840 w 1574800"/>
+              <a:gd name="connsiteY5" fmla="*/ 2987040 h 3007360"/>
+              <a:gd name="connsiteX6" fmla="*/ 1270000 w 1574800"/>
+              <a:gd name="connsiteY6" fmla="*/ 3007360 h 3007360"/>
+              <a:gd name="connsiteX7" fmla="*/ 756920 w 1574800"/>
+              <a:gd name="connsiteY7" fmla="*/ 2992120 h 3007360"/>
+              <a:gd name="connsiteX8" fmla="*/ 553720 w 1574800"/>
+              <a:gd name="connsiteY8" fmla="*/ 2951480 h 3007360"/>
+              <a:gd name="connsiteX9" fmla="*/ 462280 w 1574800"/>
+              <a:gd name="connsiteY9" fmla="*/ 2997200 h 3007360"/>
+              <a:gd name="connsiteX10" fmla="*/ 101600 w 1574800"/>
+              <a:gd name="connsiteY10" fmla="*/ 2997200 h 3007360"/>
+              <a:gd name="connsiteX11" fmla="*/ 25400 w 1574800"/>
+              <a:gd name="connsiteY11" fmla="*/ 2961640 h 3007360"/>
+              <a:gd name="connsiteX12" fmla="*/ 0 w 1574800"/>
+              <a:gd name="connsiteY12" fmla="*/ 2900680 h 3007360"/>
+              <a:gd name="connsiteX13" fmla="*/ 15240 w 1574800"/>
+              <a:gd name="connsiteY13" fmla="*/ 2844800 h 3007360"/>
+              <a:gd name="connsiteX14" fmla="*/ 132080 w 1574800"/>
+              <a:gd name="connsiteY14" fmla="*/ 2905760 h 3007360"/>
+              <a:gd name="connsiteX15" fmla="*/ 543560 w 1574800"/>
+              <a:gd name="connsiteY15" fmla="*/ 2885440 h 3007360"/>
+              <a:gd name="connsiteX16" fmla="*/ 762000 w 1574800"/>
+              <a:gd name="connsiteY16" fmla="*/ 2915920 h 3007360"/>
+              <a:gd name="connsiteX17" fmla="*/ 1092200 w 1574800"/>
+              <a:gd name="connsiteY17" fmla="*/ 2936240 h 3007360"/>
+              <a:gd name="connsiteX18" fmla="*/ 1137920 w 1574800"/>
+              <a:gd name="connsiteY18" fmla="*/ 2890520 h 3007360"/>
+              <a:gd name="connsiteX19" fmla="*/ 1229360 w 1574800"/>
+              <a:gd name="connsiteY19" fmla="*/ 2875280 h 3007360"/>
+              <a:gd name="connsiteX20" fmla="*/ 1330960 w 1574800"/>
+              <a:gd name="connsiteY20" fmla="*/ 2885440 h 3007360"/>
+              <a:gd name="connsiteX21" fmla="*/ 1432560 w 1574800"/>
+              <a:gd name="connsiteY21" fmla="*/ 2885440 h 3007360"/>
+              <a:gd name="connsiteX22" fmla="*/ 1473200 w 1574800"/>
+              <a:gd name="connsiteY22" fmla="*/ 2773680 h 3007360"/>
+              <a:gd name="connsiteX23" fmla="*/ 1478280 w 1574800"/>
+              <a:gd name="connsiteY23" fmla="*/ 2504440 h 3007360"/>
+              <a:gd name="connsiteX24" fmla="*/ 1508760 w 1574800"/>
+              <a:gd name="connsiteY24" fmla="*/ 675640 h 3007360"/>
+              <a:gd name="connsiteX25" fmla="*/ 1534160 w 1574800"/>
+              <a:gd name="connsiteY25" fmla="*/ 594360 h 3007360"/>
+              <a:gd name="connsiteX26" fmla="*/ 1493520 w 1574800"/>
+              <a:gd name="connsiteY26" fmla="*/ 20320 h 3007360"/>
+            </a:gdLst>
+            <a:ahLst/>
+            <a:cxnLst>
+              <a:cxn ang="0">
+                <a:pos x="connsiteX0" y="connsiteY0"/>
+              </a:cxn>
+              <a:cxn ang="0">
+                <a:pos x="connsiteX1" y="connsiteY1"/>
+              </a:cxn>
+              <a:cxn ang="0">
+                <a:pos x="connsiteX2" y="connsiteY2"/>
+              </a:cxn>
+              <a:cxn ang="0">
+                <a:pos x="connsiteX3" y="connsiteY3"/>
+              </a:cxn>
+              <a:cxn ang="0">
+                <a:pos x="connsiteX4" y="connsiteY4"/>
+              </a:cxn>
+              <a:cxn ang="0">
+                <a:pos x="connsiteX5" y="connsiteY5"/>
+              </a:cxn>
+              <a:cxn ang="0">
+                <a:pos x="connsiteX6" y="connsiteY6"/>
+              </a:cxn>
+              <a:cxn ang="0">
+                <a:pos x="connsiteX7" y="connsiteY7"/>
+              </a:cxn>
+              <a:cxn ang="0">
+                <a:pos x="connsiteX8" y="connsiteY8"/>
+              </a:cxn>
+              <a:cxn ang="0">
+                <a:pos x="connsiteX9" y="connsiteY9"/>
+              </a:cxn>
+              <a:cxn ang="0">
+                <a:pos x="connsiteX10" y="connsiteY10"/>
+              </a:cxn>
+              <a:cxn ang="0">
+                <a:pos x="connsiteX11" y="connsiteY11"/>
+              </a:cxn>
+              <a:cxn ang="0">
+                <a:pos x="connsiteX12" y="connsiteY12"/>
+              </a:cxn>
+              <a:cxn ang="0">
+                <a:pos x="connsiteX13" y="connsiteY13"/>
+              </a:cxn>
+              <a:cxn ang="0">
+                <a:pos x="connsiteX14" y="connsiteY14"/>
+              </a:cxn>
+              <a:cxn ang="0">
+                <a:pos x="connsiteX15" y="connsiteY15"/>
+              </a:cxn>
+              <a:cxn ang="0">
+                <a:pos x="connsiteX16" y="connsiteY16"/>
+              </a:cxn>
+              <a:cxn ang="0">
+                <a:pos x="connsiteX17" y="connsiteY17"/>
+              </a:cxn>
+              <a:cxn ang="0">
+                <a:pos x="connsiteX18" y="connsiteY18"/>
+              </a:cxn>
+              <a:cxn ang="0">
+                <a:pos x="connsiteX19" y="connsiteY19"/>
+              </a:cxn>
+              <a:cxn ang="0">
+                <a:pos x="connsiteX20" y="connsiteY20"/>
+              </a:cxn>
+              <a:cxn ang="0">
+                <a:pos x="connsiteX21" y="connsiteY21"/>
+              </a:cxn>
+              <a:cxn ang="0">
+                <a:pos x="connsiteX22" y="connsiteY22"/>
+              </a:cxn>
+              <a:cxn ang="0">
+                <a:pos x="connsiteX23" y="connsiteY23"/>
+              </a:cxn>
+              <a:cxn ang="0">
+                <a:pos x="connsiteX24" y="connsiteY24"/>
+              </a:cxn>
+              <a:cxn ang="0">
+                <a:pos x="connsiteX25" y="connsiteY25"/>
+              </a:cxn>
+              <a:cxn ang="0">
+                <a:pos x="connsiteX26" y="connsiteY26"/>
+              </a:cxn>
+            </a:cxnLst>
+            <a:rect l="l" t="t" r="r" b="b"/>
+            <a:pathLst>
+              <a:path w="1574800" h="3007360">
+                <a:moveTo>
+                  <a:pt x="1493520" y="20320"/>
+                </a:moveTo>
+                <a:lnTo>
+                  <a:pt x="1574800" y="0"/>
+                </a:lnTo>
+                <a:lnTo>
+                  <a:pt x="1559560" y="182880"/>
+                </a:lnTo>
+                <a:lnTo>
+                  <a:pt x="1574800" y="2717800"/>
+                </a:lnTo>
+                <a:lnTo>
+                  <a:pt x="1574800" y="2921000"/>
+                </a:lnTo>
+                <a:lnTo>
+                  <a:pt x="1513840" y="2987040"/>
+                </a:lnTo>
+                <a:lnTo>
+                  <a:pt x="1270000" y="3007360"/>
+                </a:lnTo>
+                <a:lnTo>
+                  <a:pt x="756920" y="2992120"/>
+                </a:lnTo>
+                <a:lnTo>
+                  <a:pt x="553720" y="2951480"/>
+                </a:lnTo>
+                <a:lnTo>
+                  <a:pt x="462280" y="2997200"/>
+                </a:lnTo>
+                <a:lnTo>
+                  <a:pt x="101600" y="2997200"/>
+                </a:lnTo>
+                <a:lnTo>
+                  <a:pt x="25400" y="2961640"/>
+                </a:lnTo>
+                <a:lnTo>
+                  <a:pt x="0" y="2900680"/>
+                </a:lnTo>
+                <a:lnTo>
+                  <a:pt x="15240" y="2844800"/>
+                </a:lnTo>
+                <a:lnTo>
+                  <a:pt x="132080" y="2905760"/>
+                </a:lnTo>
+                <a:lnTo>
+                  <a:pt x="543560" y="2885440"/>
+                </a:lnTo>
+                <a:lnTo>
+                  <a:pt x="762000" y="2915920"/>
+                </a:lnTo>
+                <a:lnTo>
+                  <a:pt x="1092200" y="2936240"/>
+                </a:lnTo>
+                <a:lnTo>
+                  <a:pt x="1137920" y="2890520"/>
+                </a:lnTo>
+                <a:lnTo>
+                  <a:pt x="1229360" y="2875280"/>
+                </a:lnTo>
+                <a:lnTo>
+                  <a:pt x="1330960" y="2885440"/>
+                </a:lnTo>
+                <a:lnTo>
+                  <a:pt x="1432560" y="2885440"/>
+                </a:lnTo>
+                <a:lnTo>
+                  <a:pt x="1473200" y="2773680"/>
+                </a:lnTo>
+                <a:cubicBezTo>
+                  <a:pt x="1474893" y="2683933"/>
+                  <a:pt x="1476587" y="2594187"/>
+                  <a:pt x="1478280" y="2504440"/>
+                </a:cubicBezTo>
+                <a:lnTo>
+                  <a:pt x="1508760" y="675640"/>
+                </a:lnTo>
+                <a:lnTo>
+                  <a:pt x="1534160" y="594360"/>
+                </a:lnTo>
+                <a:lnTo>
+                  <a:pt x="1493520" y="20320"/>
+                </a:lnTo>
+                <a:close/>
+              </a:path>
+            </a:pathLst>
+          </a:custGeom>
+          <a:solidFill>
+            <a:schemeClr val="tx1">
+              <a:alpha val="25000"/>
+            </a:schemeClr>
+          </a:solidFill>
+          <a:ln>
+            <a:noFill/>
+          </a:ln>
+        </p:spPr>
+        <p:style>
+          <a:lnRef idx="2">
+            <a:schemeClr val="accent1">
+              <a:shade val="50000"/>
+            </a:schemeClr>
+          </a:lnRef>
+          <a:fillRef idx="1">
+            <a:schemeClr val="accent1"/>
+          </a:fillRef>
+          <a:effectRef idx="0">
+            <a:schemeClr val="accent1"/>
+          </a:effectRef>
+          <a:fontRef idx="minor">
+            <a:schemeClr val="lt1"/>
+          </a:fontRef>
+        </p:style>
+        <p:txBody>
+          <a:bodyPr rtlCol="0" anchor="ctr"/>
+          <a:lstStyle/>
+          <a:p>
+            <a:pPr algn="ctr"/>
+            <a:endParaRPr lang="en-US"/>
+          </a:p>
+        </p:txBody>
+      </p:sp>
+      <p:sp>
+        <p:nvSpPr>
+          <p:cNvPr id="15" name="Freeform: Shape 14">
+            <a:extLst>
+              <a:ext uri="{FF2B5EF4-FFF2-40B4-BE49-F238E27FC236}">
+                <a16:creationId xmlns:a16="http://schemas.microsoft.com/office/drawing/2014/main" id="{89F92B7B-BA28-4223-9872-0BF1A7AC1F2D}"/>
+              </a:ext>
+            </a:extLst>
+          </p:cNvPr>
+          <p:cNvSpPr/>
+          <p:nvPr/>
+        </p:nvSpPr>
+        <p:spPr>
+          <a:xfrm>
+            <a:off x="8097520" y="1168400"/>
+            <a:ext cx="1564640" cy="1574800"/>
+          </a:xfrm>
+          <a:custGeom>
+            <a:avLst/>
+            <a:gdLst>
+              <a:gd name="connsiteX0" fmla="*/ 25400 w 1564640"/>
+              <a:gd name="connsiteY0" fmla="*/ 71120 h 1574800"/>
+              <a:gd name="connsiteX1" fmla="*/ 55880 w 1564640"/>
+              <a:gd name="connsiteY1" fmla="*/ 0 h 1574800"/>
+              <a:gd name="connsiteX2" fmla="*/ 167640 w 1564640"/>
+              <a:gd name="connsiteY2" fmla="*/ 10160 h 1574800"/>
+              <a:gd name="connsiteX3" fmla="*/ 640080 w 1564640"/>
+              <a:gd name="connsiteY3" fmla="*/ 25400 h 1574800"/>
+              <a:gd name="connsiteX4" fmla="*/ 685800 w 1564640"/>
+              <a:gd name="connsiteY4" fmla="*/ 50800 h 1574800"/>
+              <a:gd name="connsiteX5" fmla="*/ 746760 w 1564640"/>
+              <a:gd name="connsiteY5" fmla="*/ 30480 h 1574800"/>
+              <a:gd name="connsiteX6" fmla="*/ 1168400 w 1564640"/>
+              <a:gd name="connsiteY6" fmla="*/ 30480 h 1574800"/>
+              <a:gd name="connsiteX7" fmla="*/ 1468120 w 1564640"/>
+              <a:gd name="connsiteY7" fmla="*/ 10160 h 1574800"/>
+              <a:gd name="connsiteX8" fmla="*/ 1544320 w 1564640"/>
+              <a:gd name="connsiteY8" fmla="*/ 40640 h 1574800"/>
+              <a:gd name="connsiteX9" fmla="*/ 1564640 w 1564640"/>
+              <a:gd name="connsiteY9" fmla="*/ 132080 h 1574800"/>
+              <a:gd name="connsiteX10" fmla="*/ 1559560 w 1564640"/>
+              <a:gd name="connsiteY10" fmla="*/ 1539240 h 1574800"/>
+              <a:gd name="connsiteX11" fmla="*/ 1529080 w 1564640"/>
+              <a:gd name="connsiteY11" fmla="*/ 1574800 h 1574800"/>
+              <a:gd name="connsiteX12" fmla="*/ 1254760 w 1564640"/>
+              <a:gd name="connsiteY12" fmla="*/ 1539240 h 1574800"/>
+              <a:gd name="connsiteX13" fmla="*/ 645160 w 1564640"/>
+              <a:gd name="connsiteY13" fmla="*/ 1554480 h 1574800"/>
+              <a:gd name="connsiteX14" fmla="*/ 66040 w 1564640"/>
+              <a:gd name="connsiteY14" fmla="*/ 1559560 h 1574800"/>
+              <a:gd name="connsiteX15" fmla="*/ 40640 w 1564640"/>
+              <a:gd name="connsiteY15" fmla="*/ 1549400 h 1574800"/>
+              <a:gd name="connsiteX16" fmla="*/ 0 w 1564640"/>
+              <a:gd name="connsiteY16" fmla="*/ 1493520 h 1574800"/>
+              <a:gd name="connsiteX17" fmla="*/ 5080 w 1564640"/>
+              <a:gd name="connsiteY17" fmla="*/ 685800 h 1574800"/>
+              <a:gd name="connsiteX18" fmla="*/ 60960 w 1564640"/>
+              <a:gd name="connsiteY18" fmla="*/ 680720 h 1574800"/>
+              <a:gd name="connsiteX19" fmla="*/ 15240 w 1564640"/>
+              <a:gd name="connsiteY19" fmla="*/ 635000 h 1574800"/>
+              <a:gd name="connsiteX20" fmla="*/ 25400 w 1564640"/>
+              <a:gd name="connsiteY20" fmla="*/ 71120 h 1574800"/>
+            </a:gdLst>
+            <a:ahLst/>
+            <a:cxnLst>
+              <a:cxn ang="0">
+                <a:pos x="connsiteX0" y="connsiteY0"/>
+              </a:cxn>
+              <a:cxn ang="0">
+                <a:pos x="connsiteX1" y="connsiteY1"/>
+              </a:cxn>
+              <a:cxn ang="0">
+                <a:pos x="connsiteX2" y="connsiteY2"/>
+              </a:cxn>
+              <a:cxn ang="0">
+                <a:pos x="connsiteX3" y="connsiteY3"/>
+              </a:cxn>
+              <a:cxn ang="0">
+                <a:pos x="connsiteX4" y="connsiteY4"/>
+              </a:cxn>
+              <a:cxn ang="0">
+                <a:pos x="connsiteX5" y="connsiteY5"/>
+              </a:cxn>
+              <a:cxn ang="0">
+                <a:pos x="connsiteX6" y="connsiteY6"/>
+              </a:cxn>
+              <a:cxn ang="0">
+                <a:pos x="connsiteX7" y="connsiteY7"/>
+              </a:cxn>
+              <a:cxn ang="0">
+                <a:pos x="connsiteX8" y="connsiteY8"/>
+              </a:cxn>
+              <a:cxn ang="0">
+                <a:pos x="connsiteX9" y="connsiteY9"/>
+              </a:cxn>
+              <a:cxn ang="0">
+                <a:pos x="connsiteX10" y="connsiteY10"/>
+              </a:cxn>
+              <a:cxn ang="0">
+                <a:pos x="connsiteX11" y="connsiteY11"/>
+              </a:cxn>
+              <a:cxn ang="0">
+                <a:pos x="connsiteX12" y="connsiteY12"/>
+              </a:cxn>
+              <a:cxn ang="0">
+                <a:pos x="connsiteX13" y="connsiteY13"/>
+              </a:cxn>
+              <a:cxn ang="0">
+                <a:pos x="connsiteX14" y="connsiteY14"/>
+              </a:cxn>
+              <a:cxn ang="0">
+                <a:pos x="connsiteX15" y="connsiteY15"/>
+              </a:cxn>
+              <a:cxn ang="0">
+                <a:pos x="connsiteX16" y="connsiteY16"/>
+              </a:cxn>
+              <a:cxn ang="0">
+                <a:pos x="connsiteX17" y="connsiteY17"/>
+              </a:cxn>
+              <a:cxn ang="0">
+                <a:pos x="connsiteX18" y="connsiteY18"/>
+              </a:cxn>
+              <a:cxn ang="0">
+                <a:pos x="connsiteX19" y="connsiteY19"/>
+              </a:cxn>
+              <a:cxn ang="0">
+                <a:pos x="connsiteX20" y="connsiteY20"/>
+              </a:cxn>
+            </a:cxnLst>
+            <a:rect l="l" t="t" r="r" b="b"/>
+            <a:pathLst>
+              <a:path w="1564640" h="1574800">
+                <a:moveTo>
+                  <a:pt x="25400" y="71120"/>
+                </a:moveTo>
+                <a:lnTo>
+                  <a:pt x="55880" y="0"/>
+                </a:lnTo>
+                <a:lnTo>
+                  <a:pt x="167640" y="10160"/>
+                </a:lnTo>
+                <a:lnTo>
+                  <a:pt x="640080" y="25400"/>
+                </a:lnTo>
+                <a:lnTo>
+                  <a:pt x="685800" y="50800"/>
+                </a:lnTo>
+                <a:lnTo>
+                  <a:pt x="746760" y="30480"/>
+                </a:lnTo>
+                <a:lnTo>
+                  <a:pt x="1168400" y="30480"/>
+                </a:lnTo>
+                <a:lnTo>
+                  <a:pt x="1468120" y="10160"/>
+                </a:lnTo>
+                <a:lnTo>
+                  <a:pt x="1544320" y="40640"/>
+                </a:lnTo>
+                <a:lnTo>
+                  <a:pt x="1564640" y="132080"/>
+                </a:lnTo>
+                <a:cubicBezTo>
+                  <a:pt x="1562947" y="601133"/>
+                  <a:pt x="1561253" y="1070187"/>
+                  <a:pt x="1559560" y="1539240"/>
+                </a:cubicBezTo>
+                <a:lnTo>
+                  <a:pt x="1529080" y="1574800"/>
+                </a:lnTo>
+                <a:lnTo>
+                  <a:pt x="1254760" y="1539240"/>
+                </a:lnTo>
+                <a:lnTo>
+                  <a:pt x="645160" y="1554480"/>
+                </a:lnTo>
+                <a:lnTo>
+                  <a:pt x="66040" y="1559560"/>
+                </a:lnTo>
+                <a:lnTo>
+                  <a:pt x="40640" y="1549400"/>
+                </a:lnTo>
+                <a:lnTo>
+                  <a:pt x="0" y="1493520"/>
+                </a:lnTo>
+                <a:cubicBezTo>
+                  <a:pt x="1693" y="1224280"/>
+                  <a:pt x="3387" y="955040"/>
+                  <a:pt x="5080" y="685800"/>
+                </a:cubicBezTo>
+                <a:lnTo>
+                  <a:pt x="60960" y="680720"/>
+                </a:lnTo>
+                <a:lnTo>
+                  <a:pt x="15240" y="635000"/>
+                </a:lnTo>
+                <a:lnTo>
+                  <a:pt x="25400" y="71120"/>
+                </a:lnTo>
+                <a:close/>
+              </a:path>
+            </a:pathLst>
+          </a:custGeom>
+          <a:solidFill>
+            <a:schemeClr val="bg1"/>
+          </a:solidFill>
+          <a:ln>
+            <a:noFill/>
+          </a:ln>
+        </p:spPr>
+        <p:style>
+          <a:lnRef idx="2">
+            <a:schemeClr val="accent1">
+              <a:shade val="50000"/>
+            </a:schemeClr>
+          </a:lnRef>
+          <a:fillRef idx="1">
+            <a:schemeClr val="accent1"/>
+          </a:fillRef>
+          <a:effectRef idx="0">
+            <a:schemeClr val="accent1"/>
+          </a:effectRef>
+          <a:fontRef idx="minor">
+            <a:schemeClr val="lt1"/>
+          </a:fontRef>
+        </p:style>
+        <p:txBody>
+          <a:bodyPr rtlCol="0" anchor="ctr"/>
+          <a:lstStyle/>
+          <a:p>
+            <a:pPr algn="ctr"/>
+            <a:endParaRPr lang="en-US"/>
+          </a:p>
+        </p:txBody>
+      </p:sp>
+      <p:sp>
+        <p:nvSpPr>
+          <p:cNvPr id="16" name="Freeform: Shape 15">
+            <a:extLst>
+              <a:ext uri="{FF2B5EF4-FFF2-40B4-BE49-F238E27FC236}">
+                <a16:creationId xmlns:a16="http://schemas.microsoft.com/office/drawing/2014/main" id="{8A27DF39-7CE1-4BCD-BD64-883E65AE007B}"/>
+              </a:ext>
+            </a:extLst>
+          </p:cNvPr>
+          <p:cNvSpPr/>
+          <p:nvPr/>
+        </p:nvSpPr>
+        <p:spPr>
+          <a:xfrm>
+            <a:off x="8087360" y="2768600"/>
+            <a:ext cx="1579880" cy="1468120"/>
+          </a:xfrm>
+          <a:custGeom>
+            <a:avLst/>
+            <a:gdLst>
+              <a:gd name="connsiteX0" fmla="*/ 30480 w 1579880"/>
+              <a:gd name="connsiteY0" fmla="*/ 55880 h 1468120"/>
+              <a:gd name="connsiteX1" fmla="*/ 60960 w 1579880"/>
+              <a:gd name="connsiteY1" fmla="*/ 0 h 1468120"/>
+              <a:gd name="connsiteX2" fmla="*/ 1513840 w 1579880"/>
+              <a:gd name="connsiteY2" fmla="*/ 0 h 1468120"/>
+              <a:gd name="connsiteX3" fmla="*/ 1564640 w 1579880"/>
+              <a:gd name="connsiteY3" fmla="*/ 35560 h 1468120"/>
+              <a:gd name="connsiteX4" fmla="*/ 1579880 w 1579880"/>
+              <a:gd name="connsiteY4" fmla="*/ 187960 h 1468120"/>
+              <a:gd name="connsiteX5" fmla="*/ 1564640 w 1579880"/>
+              <a:gd name="connsiteY5" fmla="*/ 1412240 h 1468120"/>
+              <a:gd name="connsiteX6" fmla="*/ 1554480 w 1579880"/>
+              <a:gd name="connsiteY6" fmla="*/ 1468120 h 1468120"/>
+              <a:gd name="connsiteX7" fmla="*/ 1524000 w 1579880"/>
+              <a:gd name="connsiteY7" fmla="*/ 1468120 h 1468120"/>
+              <a:gd name="connsiteX8" fmla="*/ 20320 w 1579880"/>
+              <a:gd name="connsiteY8" fmla="*/ 1468120 h 1468120"/>
+              <a:gd name="connsiteX9" fmla="*/ 0 w 1579880"/>
+              <a:gd name="connsiteY9" fmla="*/ 1432560 h 1468120"/>
+              <a:gd name="connsiteX10" fmla="*/ 10160 w 1579880"/>
+              <a:gd name="connsiteY10" fmla="*/ 152400 h 1468120"/>
+              <a:gd name="connsiteX11" fmla="*/ 30480 w 1579880"/>
+              <a:gd name="connsiteY11" fmla="*/ 55880 h 1468120"/>
+            </a:gdLst>
+            <a:ahLst/>
+            <a:cxnLst>
+              <a:cxn ang="0">
+                <a:pos x="connsiteX0" y="connsiteY0"/>
+              </a:cxn>
+              <a:cxn ang="0">
+                <a:pos x="connsiteX1" y="connsiteY1"/>
+              </a:cxn>
+              <a:cxn ang="0">
+                <a:pos x="connsiteX2" y="connsiteY2"/>
+              </a:cxn>
+              <a:cxn ang="0">
+                <a:pos x="connsiteX3" y="connsiteY3"/>
+              </a:cxn>
+              <a:cxn ang="0">
+                <a:pos x="connsiteX4" y="connsiteY4"/>
+              </a:cxn>
+              <a:cxn ang="0">
+                <a:pos x="connsiteX5" y="connsiteY5"/>
+              </a:cxn>
+              <a:cxn ang="0">
+                <a:pos x="connsiteX6" y="connsiteY6"/>
+              </a:cxn>
+              <a:cxn ang="0">
+                <a:pos x="connsiteX7" y="connsiteY7"/>
+              </a:cxn>
+              <a:cxn ang="0">
+                <a:pos x="connsiteX8" y="connsiteY8"/>
+              </a:cxn>
+              <a:cxn ang="0">
+                <a:pos x="connsiteX9" y="connsiteY9"/>
+              </a:cxn>
+              <a:cxn ang="0">
+                <a:pos x="connsiteX10" y="connsiteY10"/>
+              </a:cxn>
+              <a:cxn ang="0">
+                <a:pos x="connsiteX11" y="connsiteY11"/>
+              </a:cxn>
+            </a:cxnLst>
+            <a:rect l="l" t="t" r="r" b="b"/>
+            <a:pathLst>
+              <a:path w="1579880" h="1468120">
+                <a:moveTo>
+                  <a:pt x="30480" y="55880"/>
+                </a:moveTo>
+                <a:lnTo>
+                  <a:pt x="60960" y="0"/>
+                </a:lnTo>
+                <a:lnTo>
+                  <a:pt x="1513840" y="0"/>
+                </a:lnTo>
+                <a:lnTo>
+                  <a:pt x="1564640" y="35560"/>
+                </a:lnTo>
+                <a:lnTo>
+                  <a:pt x="1579880" y="187960"/>
+                </a:lnTo>
+                <a:lnTo>
+                  <a:pt x="1564640" y="1412240"/>
+                </a:lnTo>
+                <a:lnTo>
+                  <a:pt x="1554480" y="1468120"/>
+                </a:lnTo>
+                <a:lnTo>
+                  <a:pt x="1524000" y="1468120"/>
+                </a:lnTo>
+                <a:lnTo>
+                  <a:pt x="20320" y="1468120"/>
+                </a:lnTo>
+                <a:lnTo>
+                  <a:pt x="0" y="1432560"/>
+                </a:lnTo>
+                <a:cubicBezTo>
+                  <a:pt x="3387" y="1005840"/>
+                  <a:pt x="6773" y="579120"/>
+                  <a:pt x="10160" y="152400"/>
+                </a:cubicBezTo>
+                <a:lnTo>
+                  <a:pt x="30480" y="55880"/>
+                </a:lnTo>
+                <a:close/>
+              </a:path>
+            </a:pathLst>
+          </a:custGeom>
+          <a:solidFill>
+            <a:schemeClr val="bg1"/>
+          </a:solidFill>
+          <a:ln>
+            <a:noFill/>
+          </a:ln>
+        </p:spPr>
+        <p:style>
+          <a:lnRef idx="2">
+            <a:schemeClr val="accent1">
+              <a:shade val="50000"/>
+            </a:schemeClr>
+          </a:lnRef>
+          <a:fillRef idx="1">
+            <a:schemeClr val="accent1"/>
+          </a:fillRef>
+          <a:effectRef idx="0">
+            <a:schemeClr val="accent1"/>
+          </a:effectRef>
+          <a:fontRef idx="minor">
+            <a:schemeClr val="lt1"/>
+          </a:fontRef>
+        </p:style>
+        <p:txBody>
+          <a:bodyPr rtlCol="0" anchor="ctr"/>
+          <a:lstStyle/>
+          <a:p>
+            <a:pPr algn="ctr"/>
+            <a:endParaRPr lang="en-US"/>
+          </a:p>
+        </p:txBody>
+      </p:sp>
+      <p:sp>
+        <p:nvSpPr>
+          <p:cNvPr id="18" name="Freeform: Shape 17">
+            <a:extLst>
+              <a:ext uri="{FF2B5EF4-FFF2-40B4-BE49-F238E27FC236}">
+                <a16:creationId xmlns:a16="http://schemas.microsoft.com/office/drawing/2014/main" id="{40906DCF-DF73-4E15-98FA-9A700BA46813}"/>
+              </a:ext>
+            </a:extLst>
+          </p:cNvPr>
+          <p:cNvSpPr/>
+          <p:nvPr/>
+        </p:nvSpPr>
+        <p:spPr>
+          <a:xfrm>
+            <a:off x="8128000" y="1198880"/>
+            <a:ext cx="1513840" cy="1508760"/>
+          </a:xfrm>
+          <a:custGeom>
+            <a:avLst/>
+            <a:gdLst>
+              <a:gd name="connsiteX0" fmla="*/ 0 w 1513840"/>
+              <a:gd name="connsiteY0" fmla="*/ 1427480 h 1508760"/>
+              <a:gd name="connsiteX1" fmla="*/ 55880 w 1513840"/>
+              <a:gd name="connsiteY1" fmla="*/ 1503680 h 1508760"/>
+              <a:gd name="connsiteX2" fmla="*/ 1076960 w 1513840"/>
+              <a:gd name="connsiteY2" fmla="*/ 1488440 h 1508760"/>
+              <a:gd name="connsiteX3" fmla="*/ 1452880 w 1513840"/>
+              <a:gd name="connsiteY3" fmla="*/ 1508760 h 1508760"/>
+              <a:gd name="connsiteX4" fmla="*/ 1498600 w 1513840"/>
+              <a:gd name="connsiteY4" fmla="*/ 1473200 h 1508760"/>
+              <a:gd name="connsiteX5" fmla="*/ 1513840 w 1513840"/>
+              <a:gd name="connsiteY5" fmla="*/ 269240 h 1508760"/>
+              <a:gd name="connsiteX6" fmla="*/ 1483360 w 1513840"/>
+              <a:gd name="connsiteY6" fmla="*/ 60960 h 1508760"/>
+              <a:gd name="connsiteX7" fmla="*/ 1447800 w 1513840"/>
+              <a:gd name="connsiteY7" fmla="*/ 0 h 1508760"/>
+              <a:gd name="connsiteX8" fmla="*/ 1437640 w 1513840"/>
+              <a:gd name="connsiteY8" fmla="*/ 55880 h 1508760"/>
+              <a:gd name="connsiteX9" fmla="*/ 1457960 w 1513840"/>
+              <a:gd name="connsiteY9" fmla="*/ 233680 h 1508760"/>
+              <a:gd name="connsiteX10" fmla="*/ 1447800 w 1513840"/>
+              <a:gd name="connsiteY10" fmla="*/ 1295400 h 1508760"/>
+              <a:gd name="connsiteX11" fmla="*/ 1417320 w 1513840"/>
+              <a:gd name="connsiteY11" fmla="*/ 1356360 h 1508760"/>
+              <a:gd name="connsiteX12" fmla="*/ 1305560 w 1513840"/>
+              <a:gd name="connsiteY12" fmla="*/ 1432560 h 1508760"/>
+              <a:gd name="connsiteX13" fmla="*/ 873760 w 1513840"/>
+              <a:gd name="connsiteY13" fmla="*/ 1442720 h 1508760"/>
+              <a:gd name="connsiteX14" fmla="*/ 660400 w 1513840"/>
+              <a:gd name="connsiteY14" fmla="*/ 1437640 h 1508760"/>
+              <a:gd name="connsiteX15" fmla="*/ 116840 w 1513840"/>
+              <a:gd name="connsiteY15" fmla="*/ 1437640 h 1508760"/>
+              <a:gd name="connsiteX16" fmla="*/ 0 w 1513840"/>
+              <a:gd name="connsiteY16" fmla="*/ 1427480 h 1508760"/>
+            </a:gdLst>
+            <a:ahLst/>
+            <a:cxnLst>
+              <a:cxn ang="0">
+                <a:pos x="connsiteX0" y="connsiteY0"/>
+              </a:cxn>
+              <a:cxn ang="0">
+                <a:pos x="connsiteX1" y="connsiteY1"/>
+              </a:cxn>
+              <a:cxn ang="0">
+                <a:pos x="connsiteX2" y="connsiteY2"/>
+              </a:cxn>
+              <a:cxn ang="0">
+                <a:pos x="connsiteX3" y="connsiteY3"/>
+              </a:cxn>
+              <a:cxn ang="0">
+                <a:pos x="connsiteX4" y="connsiteY4"/>
+              </a:cxn>
+              <a:cxn ang="0">
+                <a:pos x="connsiteX5" y="connsiteY5"/>
+              </a:cxn>
+              <a:cxn ang="0">
+                <a:pos x="connsiteX6" y="connsiteY6"/>
+              </a:cxn>
+              <a:cxn ang="0">
+                <a:pos x="connsiteX7" y="connsiteY7"/>
+              </a:cxn>
+              <a:cxn ang="0">
+                <a:pos x="connsiteX8" y="connsiteY8"/>
+              </a:cxn>
+              <a:cxn ang="0">
+                <a:pos x="connsiteX9" y="connsiteY9"/>
+              </a:cxn>
+              <a:cxn ang="0">
+                <a:pos x="connsiteX10" y="connsiteY10"/>
+              </a:cxn>
+              <a:cxn ang="0">
+                <a:pos x="connsiteX11" y="connsiteY11"/>
+              </a:cxn>
+              <a:cxn ang="0">
+                <a:pos x="connsiteX12" y="connsiteY12"/>
+              </a:cxn>
+              <a:cxn ang="0">
+                <a:pos x="connsiteX13" y="connsiteY13"/>
+              </a:cxn>
+              <a:cxn ang="0">
+                <a:pos x="connsiteX14" y="connsiteY14"/>
+              </a:cxn>
+              <a:cxn ang="0">
+                <a:pos x="connsiteX15" y="connsiteY15"/>
+              </a:cxn>
+              <a:cxn ang="0">
+                <a:pos x="connsiteX16" y="connsiteY16"/>
+              </a:cxn>
+            </a:cxnLst>
+            <a:rect l="l" t="t" r="r" b="b"/>
+            <a:pathLst>
+              <a:path w="1513840" h="1508760">
+                <a:moveTo>
+                  <a:pt x="0" y="1427480"/>
+                </a:moveTo>
+                <a:lnTo>
+                  <a:pt x="55880" y="1503680"/>
+                </a:lnTo>
+                <a:lnTo>
+                  <a:pt x="1076960" y="1488440"/>
+                </a:lnTo>
+                <a:lnTo>
+                  <a:pt x="1452880" y="1508760"/>
+                </a:lnTo>
+                <a:lnTo>
+                  <a:pt x="1498600" y="1473200"/>
+                </a:lnTo>
+                <a:lnTo>
+                  <a:pt x="1513840" y="269240"/>
+                </a:lnTo>
+                <a:lnTo>
+                  <a:pt x="1483360" y="60960"/>
+                </a:lnTo>
+                <a:lnTo>
+                  <a:pt x="1447800" y="0"/>
+                </a:lnTo>
+                <a:lnTo>
+                  <a:pt x="1437640" y="55880"/>
+                </a:lnTo>
+                <a:lnTo>
+                  <a:pt x="1457960" y="233680"/>
+                </a:lnTo>
+                <a:cubicBezTo>
+                  <a:pt x="1454573" y="587587"/>
+                  <a:pt x="1451187" y="941493"/>
+                  <a:pt x="1447800" y="1295400"/>
+                </a:cubicBezTo>
+                <a:lnTo>
+                  <a:pt x="1417320" y="1356360"/>
+                </a:lnTo>
+                <a:lnTo>
+                  <a:pt x="1305560" y="1432560"/>
+                </a:lnTo>
+                <a:lnTo>
+                  <a:pt x="873760" y="1442720"/>
+                </a:lnTo>
+                <a:lnTo>
+                  <a:pt x="660400" y="1437640"/>
+                </a:lnTo>
+                <a:lnTo>
+                  <a:pt x="116840" y="1437640"/>
+                </a:lnTo>
+                <a:lnTo>
+                  <a:pt x="0" y="1427480"/>
+                </a:lnTo>
+                <a:close/>
+              </a:path>
+            </a:pathLst>
+          </a:custGeom>
+          <a:solidFill>
+            <a:schemeClr val="tx1">
+              <a:alpha val="25000"/>
+            </a:schemeClr>
+          </a:solidFill>
+          <a:ln>
+            <a:noFill/>
+          </a:ln>
+        </p:spPr>
+        <p:style>
+          <a:lnRef idx="2">
+            <a:schemeClr val="accent1">
+              <a:shade val="50000"/>
+            </a:schemeClr>
+          </a:lnRef>
+          <a:fillRef idx="1">
+            <a:schemeClr val="accent1"/>
+          </a:fillRef>
+          <a:effectRef idx="0">
+            <a:schemeClr val="accent1"/>
+          </a:effectRef>
+          <a:fontRef idx="minor">
+            <a:schemeClr val="lt1"/>
+          </a:fontRef>
+        </p:style>
+        <p:txBody>
+          <a:bodyPr rtlCol="0" anchor="ctr"/>
+          <a:lstStyle/>
+          <a:p>
+            <a:pPr algn="ctr"/>
+            <a:endParaRPr lang="en-US"/>
+          </a:p>
+        </p:txBody>
+      </p:sp>
+      <p:sp>
+        <p:nvSpPr>
+          <p:cNvPr id="19" name="Freeform: Shape 18">
+            <a:extLst>
+              <a:ext uri="{FF2B5EF4-FFF2-40B4-BE49-F238E27FC236}">
+                <a16:creationId xmlns:a16="http://schemas.microsoft.com/office/drawing/2014/main" id="{F8159462-FAA2-401E-82F2-C759F6C1BD88}"/>
+              </a:ext>
+            </a:extLst>
+          </p:cNvPr>
+          <p:cNvSpPr/>
+          <p:nvPr/>
+        </p:nvSpPr>
+        <p:spPr>
+          <a:xfrm>
+            <a:off x="8102600" y="2809240"/>
+            <a:ext cx="1539240" cy="1427480"/>
+          </a:xfrm>
+          <a:custGeom>
+            <a:avLst/>
+            <a:gdLst>
+              <a:gd name="connsiteX0" fmla="*/ 1442720 w 1539240"/>
+              <a:gd name="connsiteY0" fmla="*/ 55880 h 1427480"/>
+              <a:gd name="connsiteX1" fmla="*/ 1508760 w 1539240"/>
+              <a:gd name="connsiteY1" fmla="*/ 0 h 1427480"/>
+              <a:gd name="connsiteX2" fmla="*/ 1539240 w 1539240"/>
+              <a:gd name="connsiteY2" fmla="*/ 116840 h 1427480"/>
+              <a:gd name="connsiteX3" fmla="*/ 1534160 w 1539240"/>
+              <a:gd name="connsiteY3" fmla="*/ 1270000 h 1427480"/>
+              <a:gd name="connsiteX4" fmla="*/ 1513840 w 1539240"/>
+              <a:gd name="connsiteY4" fmla="*/ 1427480 h 1427480"/>
+              <a:gd name="connsiteX5" fmla="*/ 66040 w 1539240"/>
+              <a:gd name="connsiteY5" fmla="*/ 1427480 h 1427480"/>
+              <a:gd name="connsiteX6" fmla="*/ 5080 w 1539240"/>
+              <a:gd name="connsiteY6" fmla="*/ 1391920 h 1427480"/>
+              <a:gd name="connsiteX7" fmla="*/ 0 w 1539240"/>
+              <a:gd name="connsiteY7" fmla="*/ 1315720 h 1427480"/>
+              <a:gd name="connsiteX8" fmla="*/ 71120 w 1539240"/>
+              <a:gd name="connsiteY8" fmla="*/ 1310640 h 1427480"/>
+              <a:gd name="connsiteX9" fmla="*/ 96520 w 1539240"/>
+              <a:gd name="connsiteY9" fmla="*/ 1330960 h 1427480"/>
+              <a:gd name="connsiteX10" fmla="*/ 1097280 w 1539240"/>
+              <a:gd name="connsiteY10" fmla="*/ 1330960 h 1427480"/>
+              <a:gd name="connsiteX11" fmla="*/ 1097280 w 1539240"/>
+              <a:gd name="connsiteY11" fmla="*/ 1376680 h 1427480"/>
+              <a:gd name="connsiteX12" fmla="*/ 1198880 w 1539240"/>
+              <a:gd name="connsiteY12" fmla="*/ 1341120 h 1427480"/>
+              <a:gd name="connsiteX13" fmla="*/ 1295400 w 1539240"/>
+              <a:gd name="connsiteY13" fmla="*/ 1336040 h 1427480"/>
+              <a:gd name="connsiteX14" fmla="*/ 1402080 w 1539240"/>
+              <a:gd name="connsiteY14" fmla="*/ 1229360 h 1427480"/>
+              <a:gd name="connsiteX15" fmla="*/ 1478280 w 1539240"/>
+              <a:gd name="connsiteY15" fmla="*/ 833120 h 1427480"/>
+              <a:gd name="connsiteX16" fmla="*/ 1442720 w 1539240"/>
+              <a:gd name="connsiteY16" fmla="*/ 55880 h 1427480"/>
+            </a:gdLst>
+            <a:ahLst/>
+            <a:cxnLst>
+              <a:cxn ang="0">
+                <a:pos x="connsiteX0" y="connsiteY0"/>
+              </a:cxn>
+              <a:cxn ang="0">
+                <a:pos x="connsiteX1" y="connsiteY1"/>
+              </a:cxn>
+              <a:cxn ang="0">
+                <a:pos x="connsiteX2" y="connsiteY2"/>
+              </a:cxn>
+              <a:cxn ang="0">
+                <a:pos x="connsiteX3" y="connsiteY3"/>
+              </a:cxn>
+              <a:cxn ang="0">
+                <a:pos x="connsiteX4" y="connsiteY4"/>
+              </a:cxn>
+              <a:cxn ang="0">
+                <a:pos x="connsiteX5" y="connsiteY5"/>
+              </a:cxn>
+              <a:cxn ang="0">
+                <a:pos x="connsiteX6" y="connsiteY6"/>
+              </a:cxn>
+              <a:cxn ang="0">
+                <a:pos x="connsiteX7" y="connsiteY7"/>
+              </a:cxn>
+              <a:cxn ang="0">
+                <a:pos x="connsiteX8" y="connsiteY8"/>
+              </a:cxn>
+              <a:cxn ang="0">
+                <a:pos x="connsiteX9" y="connsiteY9"/>
+              </a:cxn>
+              <a:cxn ang="0">
+                <a:pos x="connsiteX10" y="connsiteY10"/>
+              </a:cxn>
+              <a:cxn ang="0">
+                <a:pos x="connsiteX11" y="connsiteY11"/>
+              </a:cxn>
+              <a:cxn ang="0">
+                <a:pos x="connsiteX12" y="connsiteY12"/>
+              </a:cxn>
+              <a:cxn ang="0">
+                <a:pos x="connsiteX13" y="connsiteY13"/>
+              </a:cxn>
+              <a:cxn ang="0">
+                <a:pos x="connsiteX14" y="connsiteY14"/>
+              </a:cxn>
+              <a:cxn ang="0">
+                <a:pos x="connsiteX15" y="connsiteY15"/>
+              </a:cxn>
+              <a:cxn ang="0">
+                <a:pos x="connsiteX16" y="connsiteY16"/>
+              </a:cxn>
+            </a:cxnLst>
+            <a:rect l="l" t="t" r="r" b="b"/>
+            <a:pathLst>
+              <a:path w="1539240" h="1427480">
+                <a:moveTo>
+                  <a:pt x="1442720" y="55880"/>
+                </a:moveTo>
+                <a:lnTo>
+                  <a:pt x="1508760" y="0"/>
+                </a:lnTo>
+                <a:lnTo>
+                  <a:pt x="1539240" y="116840"/>
+                </a:lnTo>
+                <a:cubicBezTo>
+                  <a:pt x="1537547" y="501227"/>
+                  <a:pt x="1535853" y="885613"/>
+                  <a:pt x="1534160" y="1270000"/>
+                </a:cubicBezTo>
+                <a:lnTo>
+                  <a:pt x="1513840" y="1427480"/>
+                </a:lnTo>
+                <a:lnTo>
+                  <a:pt x="66040" y="1427480"/>
+                </a:lnTo>
+                <a:lnTo>
+                  <a:pt x="5080" y="1391920"/>
+                </a:lnTo>
+                <a:lnTo>
+                  <a:pt x="0" y="1315720"/>
+                </a:lnTo>
+                <a:lnTo>
+                  <a:pt x="71120" y="1310640"/>
+                </a:lnTo>
+                <a:lnTo>
+                  <a:pt x="96520" y="1330960"/>
+                </a:lnTo>
+                <a:lnTo>
+                  <a:pt x="1097280" y="1330960"/>
+                </a:lnTo>
+                <a:lnTo>
+                  <a:pt x="1097280" y="1376680"/>
+                </a:lnTo>
+                <a:lnTo>
+                  <a:pt x="1198880" y="1341120"/>
+                </a:lnTo>
+                <a:lnTo>
+                  <a:pt x="1295400" y="1336040"/>
+                </a:lnTo>
+                <a:lnTo>
+                  <a:pt x="1402080" y="1229360"/>
+                </a:lnTo>
+                <a:lnTo>
+                  <a:pt x="1478280" y="833120"/>
+                </a:lnTo>
+                <a:lnTo>
+                  <a:pt x="1442720" y="55880"/>
+                </a:lnTo>
+                <a:close/>
+              </a:path>
+            </a:pathLst>
+          </a:custGeom>
+          <a:solidFill>
+            <a:schemeClr val="tx1">
+              <a:alpha val="25000"/>
+            </a:schemeClr>
+          </a:solidFill>
+          <a:ln>
+            <a:noFill/>
+          </a:ln>
+        </p:spPr>
+        <p:style>
+          <a:lnRef idx="2">
+            <a:schemeClr val="accent1">
+              <a:shade val="50000"/>
+            </a:schemeClr>
+          </a:lnRef>
+          <a:fillRef idx="1">
+            <a:schemeClr val="accent1"/>
+          </a:fillRef>
+          <a:effectRef idx="0">
+            <a:schemeClr val="accent1"/>
+          </a:effectRef>
+          <a:fontRef idx="minor">
+            <a:schemeClr val="lt1"/>
+          </a:fontRef>
+        </p:style>
+        <p:txBody>
+          <a:bodyPr rtlCol="0" anchor="ctr"/>
+          <a:lstStyle/>
+          <a:p>
+            <a:pPr algn="ctr"/>
+            <a:endParaRPr lang="en-US"/>
+          </a:p>
+        </p:txBody>
+      </p:sp>
+    </p:spTree>
+    <p:extLst>
+      <p:ext uri="{BB962C8B-B14F-4D97-AF65-F5344CB8AC3E}">
+        <p14:creationId xmlns:p14="http://schemas.microsoft.com/office/powerpoint/2010/main" val="2074364510"/>
+      </p:ext>
+    </p:extLst>
+  </p:cSld>
+  <p:clrMapOvr>
+    <a:masterClrMapping/>
+  </p:clrMapOvr>
+</p:sld>
+</file>
+
 <file path=ppt/theme/theme1.xml><?xml version="1.0" encoding="utf-8"?>
 <a:theme xmlns:a="http://schemas.openxmlformats.org/drawingml/2006/main" name="Office Theme">
   <a:themeElements>
